--- a/TypeScript for the .NET Developer/CRINETA 20150406/TypeScript for the .NET Developer.pptx
+++ b/TypeScript for the .NET Developer/CRINETA 20150406/TypeScript for the .NET Developer.pptx
@@ -4,15 +4,20 @@
   <p:sldMasterIdLst>
     <p:sldMasterId id="2147483660" r:id="rId1"/>
   </p:sldMasterIdLst>
+  <p:notesMasterIdLst>
+    <p:notesMasterId r:id="rId12"/>
+  </p:notesMasterIdLst>
   <p:sldIdLst>
     <p:sldId id="256" r:id="rId2"/>
     <p:sldId id="257" r:id="rId3"/>
     <p:sldId id="270" r:id="rId4"/>
-    <p:sldId id="271" r:id="rId5"/>
-    <p:sldId id="274" r:id="rId6"/>
-    <p:sldId id="272" r:id="rId7"/>
-    <p:sldId id="273" r:id="rId8"/>
-    <p:sldId id="269" r:id="rId9"/>
+    <p:sldId id="275" r:id="rId5"/>
+    <p:sldId id="271" r:id="rId6"/>
+    <p:sldId id="274" r:id="rId7"/>
+    <p:sldId id="272" r:id="rId8"/>
+    <p:sldId id="273" r:id="rId9"/>
+    <p:sldId id="276" r:id="rId10"/>
+    <p:sldId id="269" r:id="rId11"/>
   </p:sldIdLst>
   <p:sldSz cx="12192000" cy="6858000"/>
   <p:notesSz cx="6858000" cy="9144000"/>
@@ -119,10 +124,12 @@
             <p14:sldId id="256"/>
             <p14:sldId id="257"/>
             <p14:sldId id="270"/>
+            <p14:sldId id="275"/>
             <p14:sldId id="271"/>
             <p14:sldId id="274"/>
             <p14:sldId id="272"/>
             <p14:sldId id="273"/>
+            <p14:sldId id="276"/>
             <p14:sldId id="269"/>
           </p14:sldIdLst>
         </p14:section>
@@ -133,6 +140,440 @@
     </p:ext>
   </p:extLst>
 </p:presentation>
+</file>
+
+<file path=ppt/notesMasters/notesMaster1.xml><?xml version="1.0" encoding="utf-8"?>
+<p:notesMaster xmlns:a="http://schemas.openxmlformats.org/drawingml/2006/main" xmlns:r="http://schemas.openxmlformats.org/officeDocument/2006/relationships" xmlns:p="http://schemas.openxmlformats.org/presentationml/2006/main">
+  <p:cSld>
+    <p:bg>
+      <p:bgRef idx="1001">
+        <a:schemeClr val="bg1"/>
+      </p:bgRef>
+    </p:bg>
+    <p:spTree>
+      <p:nvGrpSpPr>
+        <p:cNvPr id="1" name=""/>
+        <p:cNvGrpSpPr/>
+        <p:nvPr/>
+      </p:nvGrpSpPr>
+      <p:grpSpPr>
+        <a:xfrm>
+          <a:off x="0" y="0"/>
+          <a:ext cx="0" cy="0"/>
+          <a:chOff x="0" y="0"/>
+          <a:chExt cx="0" cy="0"/>
+        </a:xfrm>
+      </p:grpSpPr>
+      <p:sp>
+        <p:nvSpPr>
+          <p:cNvPr id="2" name="Header Placeholder 1"/>
+          <p:cNvSpPr>
+            <a:spLocks noGrp="1"/>
+          </p:cNvSpPr>
+          <p:nvPr>
+            <p:ph type="hdr" sz="quarter"/>
+          </p:nvPr>
+        </p:nvSpPr>
+        <p:spPr>
+          <a:xfrm>
+            <a:off x="0" y="0"/>
+            <a:ext cx="2971800" cy="458788"/>
+          </a:xfrm>
+          <a:prstGeom prst="rect">
+            <a:avLst/>
+          </a:prstGeom>
+        </p:spPr>
+        <p:txBody>
+          <a:bodyPr vert="horz" lIns="91440" tIns="45720" rIns="91440" bIns="45720" rtlCol="0"/>
+          <a:lstStyle>
+            <a:lvl1pPr algn="l">
+              <a:defRPr sz="1200"/>
+            </a:lvl1pPr>
+          </a:lstStyle>
+          <a:p>
+            <a:endParaRPr lang="en-US"/>
+          </a:p>
+        </p:txBody>
+      </p:sp>
+      <p:sp>
+        <p:nvSpPr>
+          <p:cNvPr id="3" name="Date Placeholder 2"/>
+          <p:cNvSpPr>
+            <a:spLocks noGrp="1"/>
+          </p:cNvSpPr>
+          <p:nvPr>
+            <p:ph type="dt" idx="1"/>
+          </p:nvPr>
+        </p:nvSpPr>
+        <p:spPr>
+          <a:xfrm>
+            <a:off x="3884613" y="0"/>
+            <a:ext cx="2971800" cy="458788"/>
+          </a:xfrm>
+          <a:prstGeom prst="rect">
+            <a:avLst/>
+          </a:prstGeom>
+        </p:spPr>
+        <p:txBody>
+          <a:bodyPr vert="horz" lIns="91440" tIns="45720" rIns="91440" bIns="45720" rtlCol="0"/>
+          <a:lstStyle>
+            <a:lvl1pPr algn="r">
+              <a:defRPr sz="1200"/>
+            </a:lvl1pPr>
+          </a:lstStyle>
+          <a:p>
+            <a:fld id="{808EA803-7C92-4DF7-88C2-171098DA16C3}" type="datetimeFigureOut">
+              <a:rPr lang="en-US" smtClean="0"/>
+              <a:t>4/3/2015</a:t>
+            </a:fld>
+            <a:endParaRPr lang="en-US"/>
+          </a:p>
+        </p:txBody>
+      </p:sp>
+      <p:sp>
+        <p:nvSpPr>
+          <p:cNvPr id="4" name="Slide Image Placeholder 3"/>
+          <p:cNvSpPr>
+            <a:spLocks noGrp="1" noRot="1" noChangeAspect="1"/>
+          </p:cNvSpPr>
+          <p:nvPr>
+            <p:ph type="sldImg" idx="2"/>
+          </p:nvPr>
+        </p:nvSpPr>
+        <p:spPr>
+          <a:xfrm>
+            <a:off x="685800" y="1143000"/>
+            <a:ext cx="5486400" cy="3086100"/>
+          </a:xfrm>
+          <a:prstGeom prst="rect">
+            <a:avLst/>
+          </a:prstGeom>
+          <a:noFill/>
+          <a:ln w="12700">
+            <a:solidFill>
+              <a:prstClr val="black"/>
+            </a:solidFill>
+          </a:ln>
+        </p:spPr>
+        <p:txBody>
+          <a:bodyPr vert="horz" lIns="91440" tIns="45720" rIns="91440" bIns="45720" rtlCol="0" anchor="ctr"/>
+          <a:lstStyle/>
+          <a:p>
+            <a:endParaRPr lang="en-US"/>
+          </a:p>
+        </p:txBody>
+      </p:sp>
+      <p:sp>
+        <p:nvSpPr>
+          <p:cNvPr id="5" name="Notes Placeholder 4"/>
+          <p:cNvSpPr>
+            <a:spLocks noGrp="1"/>
+          </p:cNvSpPr>
+          <p:nvPr>
+            <p:ph type="body" sz="quarter" idx="3"/>
+          </p:nvPr>
+        </p:nvSpPr>
+        <p:spPr>
+          <a:xfrm>
+            <a:off x="685800" y="4400550"/>
+            <a:ext cx="5486400" cy="3600450"/>
+          </a:xfrm>
+          <a:prstGeom prst="rect">
+            <a:avLst/>
+          </a:prstGeom>
+        </p:spPr>
+        <p:txBody>
+          <a:bodyPr vert="horz" lIns="91440" tIns="45720" rIns="91440" bIns="45720" rtlCol="0"/>
+          <a:lstStyle/>
+          <a:p>
+            <a:pPr lvl="0"/>
+            <a:r>
+              <a:rPr lang="en-US" smtClean="0"/>
+              <a:t>Click to edit Master text styles</a:t>
+            </a:r>
+          </a:p>
+          <a:p>
+            <a:pPr lvl="1"/>
+            <a:r>
+              <a:rPr lang="en-US" smtClean="0"/>
+              <a:t>Second level</a:t>
+            </a:r>
+          </a:p>
+          <a:p>
+            <a:pPr lvl="2"/>
+            <a:r>
+              <a:rPr lang="en-US" smtClean="0"/>
+              <a:t>Third level</a:t>
+            </a:r>
+          </a:p>
+          <a:p>
+            <a:pPr lvl="3"/>
+            <a:r>
+              <a:rPr lang="en-US" smtClean="0"/>
+              <a:t>Fourth level</a:t>
+            </a:r>
+          </a:p>
+          <a:p>
+            <a:pPr lvl="4"/>
+            <a:r>
+              <a:rPr lang="en-US" smtClean="0"/>
+              <a:t>Fifth level</a:t>
+            </a:r>
+            <a:endParaRPr lang="en-US"/>
+          </a:p>
+        </p:txBody>
+      </p:sp>
+      <p:sp>
+        <p:nvSpPr>
+          <p:cNvPr id="6" name="Footer Placeholder 5"/>
+          <p:cNvSpPr>
+            <a:spLocks noGrp="1"/>
+          </p:cNvSpPr>
+          <p:nvPr>
+            <p:ph type="ftr" sz="quarter" idx="4"/>
+          </p:nvPr>
+        </p:nvSpPr>
+        <p:spPr>
+          <a:xfrm>
+            <a:off x="0" y="8685213"/>
+            <a:ext cx="2971800" cy="458787"/>
+          </a:xfrm>
+          <a:prstGeom prst="rect">
+            <a:avLst/>
+          </a:prstGeom>
+        </p:spPr>
+        <p:txBody>
+          <a:bodyPr vert="horz" lIns="91440" tIns="45720" rIns="91440" bIns="45720" rtlCol="0" anchor="b"/>
+          <a:lstStyle>
+            <a:lvl1pPr algn="l">
+              <a:defRPr sz="1200"/>
+            </a:lvl1pPr>
+          </a:lstStyle>
+          <a:p>
+            <a:endParaRPr lang="en-US"/>
+          </a:p>
+        </p:txBody>
+      </p:sp>
+      <p:sp>
+        <p:nvSpPr>
+          <p:cNvPr id="7" name="Slide Number Placeholder 6"/>
+          <p:cNvSpPr>
+            <a:spLocks noGrp="1"/>
+          </p:cNvSpPr>
+          <p:nvPr>
+            <p:ph type="sldNum" sz="quarter" idx="5"/>
+          </p:nvPr>
+        </p:nvSpPr>
+        <p:spPr>
+          <a:xfrm>
+            <a:off x="3884613" y="8685213"/>
+            <a:ext cx="2971800" cy="458787"/>
+          </a:xfrm>
+          <a:prstGeom prst="rect">
+            <a:avLst/>
+          </a:prstGeom>
+        </p:spPr>
+        <p:txBody>
+          <a:bodyPr vert="horz" lIns="91440" tIns="45720" rIns="91440" bIns="45720" rtlCol="0" anchor="b"/>
+          <a:lstStyle>
+            <a:lvl1pPr algn="r">
+              <a:defRPr sz="1200"/>
+            </a:lvl1pPr>
+          </a:lstStyle>
+          <a:p>
+            <a:fld id="{66B5CB44-A5E7-42FB-AFD2-D4FC8AEBA3B4}" type="slidenum">
+              <a:rPr lang="en-US" smtClean="0"/>
+              <a:t>‹#›</a:t>
+            </a:fld>
+            <a:endParaRPr lang="en-US"/>
+          </a:p>
+        </p:txBody>
+      </p:sp>
+    </p:spTree>
+    <p:extLst>
+      <p:ext uri="{BB962C8B-B14F-4D97-AF65-F5344CB8AC3E}">
+        <p14:creationId xmlns:p14="http://schemas.microsoft.com/office/powerpoint/2010/main" val="924065546"/>
+      </p:ext>
+    </p:extLst>
+  </p:cSld>
+  <p:clrMap bg1="lt1" tx1="dk1" bg2="lt2" tx2="dk2" accent1="accent1" accent2="accent2" accent3="accent3" accent4="accent4" accent5="accent5" accent6="accent6" hlink="hlink" folHlink="folHlink"/>
+  <p:notesStyle>
+    <a:lvl1pPr marL="0" algn="l" defTabSz="914400" rtl="0" eaLnBrk="1" latinLnBrk="0" hangingPunct="1">
+      <a:defRPr sz="1200" kern="1200">
+        <a:solidFill>
+          <a:schemeClr val="tx1"/>
+        </a:solidFill>
+        <a:latin typeface="+mn-lt"/>
+        <a:ea typeface="+mn-ea"/>
+        <a:cs typeface="+mn-cs"/>
+      </a:defRPr>
+    </a:lvl1pPr>
+    <a:lvl2pPr marL="457200" algn="l" defTabSz="914400" rtl="0" eaLnBrk="1" latinLnBrk="0" hangingPunct="1">
+      <a:defRPr sz="1200" kern="1200">
+        <a:solidFill>
+          <a:schemeClr val="tx1"/>
+        </a:solidFill>
+        <a:latin typeface="+mn-lt"/>
+        <a:ea typeface="+mn-ea"/>
+        <a:cs typeface="+mn-cs"/>
+      </a:defRPr>
+    </a:lvl2pPr>
+    <a:lvl3pPr marL="914400" algn="l" defTabSz="914400" rtl="0" eaLnBrk="1" latinLnBrk="0" hangingPunct="1">
+      <a:defRPr sz="1200" kern="1200">
+        <a:solidFill>
+          <a:schemeClr val="tx1"/>
+        </a:solidFill>
+        <a:latin typeface="+mn-lt"/>
+        <a:ea typeface="+mn-ea"/>
+        <a:cs typeface="+mn-cs"/>
+      </a:defRPr>
+    </a:lvl3pPr>
+    <a:lvl4pPr marL="1371600" algn="l" defTabSz="914400" rtl="0" eaLnBrk="1" latinLnBrk="0" hangingPunct="1">
+      <a:defRPr sz="1200" kern="1200">
+        <a:solidFill>
+          <a:schemeClr val="tx1"/>
+        </a:solidFill>
+        <a:latin typeface="+mn-lt"/>
+        <a:ea typeface="+mn-ea"/>
+        <a:cs typeface="+mn-cs"/>
+      </a:defRPr>
+    </a:lvl4pPr>
+    <a:lvl5pPr marL="1828800" algn="l" defTabSz="914400" rtl="0" eaLnBrk="1" latinLnBrk="0" hangingPunct="1">
+      <a:defRPr sz="1200" kern="1200">
+        <a:solidFill>
+          <a:schemeClr val="tx1"/>
+        </a:solidFill>
+        <a:latin typeface="+mn-lt"/>
+        <a:ea typeface="+mn-ea"/>
+        <a:cs typeface="+mn-cs"/>
+      </a:defRPr>
+    </a:lvl5pPr>
+    <a:lvl6pPr marL="2286000" algn="l" defTabSz="914400" rtl="0" eaLnBrk="1" latinLnBrk="0" hangingPunct="1">
+      <a:defRPr sz="1200" kern="1200">
+        <a:solidFill>
+          <a:schemeClr val="tx1"/>
+        </a:solidFill>
+        <a:latin typeface="+mn-lt"/>
+        <a:ea typeface="+mn-ea"/>
+        <a:cs typeface="+mn-cs"/>
+      </a:defRPr>
+    </a:lvl6pPr>
+    <a:lvl7pPr marL="2743200" algn="l" defTabSz="914400" rtl="0" eaLnBrk="1" latinLnBrk="0" hangingPunct="1">
+      <a:defRPr sz="1200" kern="1200">
+        <a:solidFill>
+          <a:schemeClr val="tx1"/>
+        </a:solidFill>
+        <a:latin typeface="+mn-lt"/>
+        <a:ea typeface="+mn-ea"/>
+        <a:cs typeface="+mn-cs"/>
+      </a:defRPr>
+    </a:lvl7pPr>
+    <a:lvl8pPr marL="3200400" algn="l" defTabSz="914400" rtl="0" eaLnBrk="1" latinLnBrk="0" hangingPunct="1">
+      <a:defRPr sz="1200" kern="1200">
+        <a:solidFill>
+          <a:schemeClr val="tx1"/>
+        </a:solidFill>
+        <a:latin typeface="+mn-lt"/>
+        <a:ea typeface="+mn-ea"/>
+        <a:cs typeface="+mn-cs"/>
+      </a:defRPr>
+    </a:lvl8pPr>
+    <a:lvl9pPr marL="3657600" algn="l" defTabSz="914400" rtl="0" eaLnBrk="1" latinLnBrk="0" hangingPunct="1">
+      <a:defRPr sz="1200" kern="1200">
+        <a:solidFill>
+          <a:schemeClr val="tx1"/>
+        </a:solidFill>
+        <a:latin typeface="+mn-lt"/>
+        <a:ea typeface="+mn-ea"/>
+        <a:cs typeface="+mn-cs"/>
+      </a:defRPr>
+    </a:lvl9pPr>
+  </p:notesStyle>
+</p:notesMaster>
+</file>
+
+<file path=ppt/notesSlides/notesSlide1.xml><?xml version="1.0" encoding="utf-8"?>
+<p:notes xmlns:a="http://schemas.openxmlformats.org/drawingml/2006/main" xmlns:r="http://schemas.openxmlformats.org/officeDocument/2006/relationships" xmlns:p="http://schemas.openxmlformats.org/presentationml/2006/main">
+  <p:cSld>
+    <p:spTree>
+      <p:nvGrpSpPr>
+        <p:cNvPr id="1" name=""/>
+        <p:cNvGrpSpPr/>
+        <p:nvPr/>
+      </p:nvGrpSpPr>
+      <p:grpSpPr>
+        <a:xfrm>
+          <a:off x="0" y="0"/>
+          <a:ext cx="0" cy="0"/>
+          <a:chOff x="0" y="0"/>
+          <a:chExt cx="0" cy="0"/>
+        </a:xfrm>
+      </p:grpSpPr>
+      <p:sp>
+        <p:nvSpPr>
+          <p:cNvPr id="2" name="Slide Image Placeholder 1"/>
+          <p:cNvSpPr>
+            <a:spLocks noGrp="1" noRot="1" noChangeAspect="1"/>
+          </p:cNvSpPr>
+          <p:nvPr>
+            <p:ph type="sldImg"/>
+          </p:nvPr>
+        </p:nvSpPr>
+        <p:spPr/>
+      </p:sp>
+      <p:sp>
+        <p:nvSpPr>
+          <p:cNvPr id="3" name="Notes Placeholder 2"/>
+          <p:cNvSpPr>
+            <a:spLocks noGrp="1"/>
+          </p:cNvSpPr>
+          <p:nvPr>
+            <p:ph type="body" idx="1"/>
+          </p:nvPr>
+        </p:nvSpPr>
+        <p:spPr/>
+        <p:txBody>
+          <a:bodyPr/>
+          <a:lstStyle/>
+          <a:p>
+            <a:endParaRPr lang="en-US"/>
+          </a:p>
+        </p:txBody>
+      </p:sp>
+      <p:sp>
+        <p:nvSpPr>
+          <p:cNvPr id="4" name="Slide Number Placeholder 3"/>
+          <p:cNvSpPr>
+            <a:spLocks noGrp="1"/>
+          </p:cNvSpPr>
+          <p:nvPr>
+            <p:ph type="sldNum" sz="quarter" idx="10"/>
+          </p:nvPr>
+        </p:nvSpPr>
+        <p:spPr/>
+        <p:txBody>
+          <a:bodyPr/>
+          <a:lstStyle/>
+          <a:p>
+            <a:fld id="{66B5CB44-A5E7-42FB-AFD2-D4FC8AEBA3B4}" type="slidenum">
+              <a:rPr lang="en-US" smtClean="0"/>
+              <a:t>3</a:t>
+            </a:fld>
+            <a:endParaRPr lang="en-US"/>
+          </a:p>
+        </p:txBody>
+      </p:sp>
+    </p:spTree>
+    <p:extLst>
+      <p:ext uri="{BB962C8B-B14F-4D97-AF65-F5344CB8AC3E}">
+        <p14:creationId xmlns:p14="http://schemas.microsoft.com/office/powerpoint/2010/main" val="1846120359"/>
+      </p:ext>
+    </p:extLst>
+  </p:cSld>
+  <p:clrMapOvr>
+    <a:masterClrMapping/>
+  </p:clrMapOvr>
+</p:notes>
 </file>
 
 <file path=ppt/slideLayouts/slideLayout1.xml><?xml version="1.0" encoding="utf-8"?>
@@ -266,7 +707,7 @@
           <a:p>
             <a:fld id="{856365B8-A905-4126-A305-28D558C34FD5}" type="datetimeFigureOut">
               <a:rPr lang="en-US" smtClean="0"/>
-              <a:t>3/30/2015</a:t>
+              <a:t>4/3/2015</a:t>
             </a:fld>
             <a:endParaRPr lang="en-US"/>
           </a:p>
@@ -436,7 +877,7 @@
           <a:p>
             <a:fld id="{856365B8-A905-4126-A305-28D558C34FD5}" type="datetimeFigureOut">
               <a:rPr lang="en-US" smtClean="0"/>
-              <a:t>3/30/2015</a:t>
+              <a:t>4/3/2015</a:t>
             </a:fld>
             <a:endParaRPr lang="en-US"/>
           </a:p>
@@ -616,7 +1057,7 @@
           <a:p>
             <a:fld id="{856365B8-A905-4126-A305-28D558C34FD5}" type="datetimeFigureOut">
               <a:rPr lang="en-US" smtClean="0"/>
-              <a:t>3/30/2015</a:t>
+              <a:t>4/3/2015</a:t>
             </a:fld>
             <a:endParaRPr lang="en-US"/>
           </a:p>
@@ -786,7 +1227,7 @@
           <a:p>
             <a:fld id="{856365B8-A905-4126-A305-28D558C34FD5}" type="datetimeFigureOut">
               <a:rPr lang="en-US" smtClean="0"/>
-              <a:t>3/30/2015</a:t>
+              <a:t>4/3/2015</a:t>
             </a:fld>
             <a:endParaRPr lang="en-US"/>
           </a:p>
@@ -1032,7 +1473,7 @@
           <a:p>
             <a:fld id="{856365B8-A905-4126-A305-28D558C34FD5}" type="datetimeFigureOut">
               <a:rPr lang="en-US" smtClean="0"/>
-              <a:t>3/30/2015</a:t>
+              <a:t>4/3/2015</a:t>
             </a:fld>
             <a:endParaRPr lang="en-US"/>
           </a:p>
@@ -1264,7 +1705,7 @@
           <a:p>
             <a:fld id="{856365B8-A905-4126-A305-28D558C34FD5}" type="datetimeFigureOut">
               <a:rPr lang="en-US" smtClean="0"/>
-              <a:t>3/30/2015</a:t>
+              <a:t>4/3/2015</a:t>
             </a:fld>
             <a:endParaRPr lang="en-US"/>
           </a:p>
@@ -1631,7 +2072,7 @@
           <a:p>
             <a:fld id="{856365B8-A905-4126-A305-28D558C34FD5}" type="datetimeFigureOut">
               <a:rPr lang="en-US" smtClean="0"/>
-              <a:t>3/30/2015</a:t>
+              <a:t>4/3/2015</a:t>
             </a:fld>
             <a:endParaRPr lang="en-US"/>
           </a:p>
@@ -1749,7 +2190,7 @@
           <a:p>
             <a:fld id="{856365B8-A905-4126-A305-28D558C34FD5}" type="datetimeFigureOut">
               <a:rPr lang="en-US" smtClean="0"/>
-              <a:t>3/30/2015</a:t>
+              <a:t>4/3/2015</a:t>
             </a:fld>
             <a:endParaRPr lang="en-US"/>
           </a:p>
@@ -1844,7 +2285,7 @@
           <a:p>
             <a:fld id="{856365B8-A905-4126-A305-28D558C34FD5}" type="datetimeFigureOut">
               <a:rPr lang="en-US" smtClean="0"/>
-              <a:t>3/30/2015</a:t>
+              <a:t>4/3/2015</a:t>
             </a:fld>
             <a:endParaRPr lang="en-US"/>
           </a:p>
@@ -2121,7 +2562,7 @@
           <a:p>
             <a:fld id="{856365B8-A905-4126-A305-28D558C34FD5}" type="datetimeFigureOut">
               <a:rPr lang="en-US" smtClean="0"/>
-              <a:t>3/30/2015</a:t>
+              <a:t>4/3/2015</a:t>
             </a:fld>
             <a:endParaRPr lang="en-US"/>
           </a:p>
@@ -2378,7 +2819,7 @@
           <a:p>
             <a:fld id="{856365B8-A905-4126-A305-28D558C34FD5}" type="datetimeFigureOut">
               <a:rPr lang="en-US" smtClean="0"/>
-              <a:t>3/30/2015</a:t>
+              <a:t>4/3/2015</a:t>
             </a:fld>
             <a:endParaRPr lang="en-US"/>
           </a:p>
@@ -2591,7 +3032,7 @@
           <a:p>
             <a:fld id="{856365B8-A905-4126-A305-28D558C34FD5}" type="datetimeFigureOut">
               <a:rPr lang="en-US" smtClean="0"/>
-              <a:t>3/30/2015</a:t>
+              <a:t>4/3/2015</a:t>
             </a:fld>
             <a:endParaRPr lang="en-US"/>
           </a:p>
@@ -3148,6 +3589,167 @@
 </p:sld>
 </file>
 
+<file path=ppt/slides/slide10.xml><?xml version="1.0" encoding="utf-8"?>
+<p:sld xmlns:a="http://schemas.openxmlformats.org/drawingml/2006/main" xmlns:r="http://schemas.openxmlformats.org/officeDocument/2006/relationships" xmlns:p="http://schemas.openxmlformats.org/presentationml/2006/main">
+  <p:cSld>
+    <p:spTree>
+      <p:nvGrpSpPr>
+        <p:cNvPr id="1" name=""/>
+        <p:cNvGrpSpPr/>
+        <p:nvPr/>
+      </p:nvGrpSpPr>
+      <p:grpSpPr>
+        <a:xfrm>
+          <a:off x="0" y="0"/>
+          <a:ext cx="0" cy="0"/>
+          <a:chOff x="0" y="0"/>
+          <a:chExt cx="0" cy="0"/>
+        </a:xfrm>
+      </p:grpSpPr>
+      <p:sp>
+        <p:nvSpPr>
+          <p:cNvPr id="2" name="Title 1"/>
+          <p:cNvSpPr>
+            <a:spLocks noGrp="1"/>
+          </p:cNvSpPr>
+          <p:nvPr>
+            <p:ph type="title"/>
+          </p:nvPr>
+        </p:nvSpPr>
+        <p:spPr/>
+        <p:txBody>
+          <a:bodyPr/>
+          <a:lstStyle/>
+          <a:p>
+            <a:r>
+              <a:rPr lang="en-US" dirty="0" smtClean="0"/>
+              <a:t>Where Can I Learn More?</a:t>
+            </a:r>
+            <a:endParaRPr lang="en-US" dirty="0"/>
+          </a:p>
+        </p:txBody>
+      </p:sp>
+      <p:sp>
+        <p:nvSpPr>
+          <p:cNvPr id="3" name="Content Placeholder 2"/>
+          <p:cNvSpPr>
+            <a:spLocks noGrp="1"/>
+          </p:cNvSpPr>
+          <p:nvPr>
+            <p:ph idx="1"/>
+          </p:nvPr>
+        </p:nvSpPr>
+        <p:spPr/>
+        <p:txBody>
+          <a:bodyPr/>
+          <a:lstStyle/>
+          <a:p>
+            <a:r>
+              <a:rPr lang="en-US" dirty="0" err="1" smtClean="0"/>
+              <a:t>Pluralsight</a:t>
+            </a:r>
+            <a:endParaRPr lang="en-US" dirty="0" smtClean="0"/>
+          </a:p>
+          <a:p>
+            <a:pPr lvl="1"/>
+            <a:r>
+              <a:rPr lang="en-US" dirty="0" err="1" smtClean="0"/>
+              <a:t>TypeScript</a:t>
+            </a:r>
+            <a:r>
+              <a:rPr lang="en-US" dirty="0" smtClean="0"/>
+              <a:t> Fundamentals</a:t>
+            </a:r>
+          </a:p>
+          <a:p>
+            <a:pPr lvl="1"/>
+            <a:r>
+              <a:rPr lang="en-US" dirty="0" smtClean="0"/>
+              <a:t>Using </a:t>
+            </a:r>
+            <a:r>
+              <a:rPr lang="en-US" dirty="0" err="1" smtClean="0"/>
+              <a:t>TypeScript</a:t>
+            </a:r>
+            <a:r>
+              <a:rPr lang="en-US" dirty="0" smtClean="0"/>
+              <a:t> for Large </a:t>
+            </a:r>
+            <a:r>
+              <a:rPr lang="en-US" dirty="0" err="1" smtClean="0"/>
+              <a:t>AngularJS</a:t>
+            </a:r>
+            <a:r>
+              <a:rPr lang="en-US" dirty="0" smtClean="0"/>
+              <a:t> Applications</a:t>
+            </a:r>
+          </a:p>
+          <a:p>
+            <a:r>
+              <a:rPr lang="en-US" dirty="0">
+                <a:hlinkClick r:id="rId2"/>
+              </a:rPr>
+              <a:t>http://www.typescriptlang.org</a:t>
+            </a:r>
+            <a:r>
+              <a:rPr lang="en-US" dirty="0" smtClean="0">
+                <a:hlinkClick r:id="rId2"/>
+              </a:rPr>
+              <a:t>/</a:t>
+            </a:r>
+            <a:endParaRPr lang="en-US" dirty="0" smtClean="0"/>
+          </a:p>
+          <a:p>
+            <a:r>
+              <a:rPr lang="en-US" dirty="0">
+                <a:hlinkClick r:id="rId3"/>
+              </a:rPr>
+              <a:t>http://definitelytyped.org</a:t>
+            </a:r>
+            <a:r>
+              <a:rPr lang="en-US" dirty="0" smtClean="0">
+                <a:hlinkClick r:id="rId3"/>
+              </a:rPr>
+              <a:t>/</a:t>
+            </a:r>
+            <a:endParaRPr lang="en-US" dirty="0" smtClean="0"/>
+          </a:p>
+          <a:p>
+            <a:r>
+              <a:rPr lang="en-US" dirty="0">
+                <a:hlinkClick r:id="rId4"/>
+              </a:rPr>
+              <a:t>http://type.litesolutions.net</a:t>
+            </a:r>
+            <a:r>
+              <a:rPr lang="en-US" dirty="0" smtClean="0">
+                <a:hlinkClick r:id="rId4"/>
+              </a:rPr>
+              <a:t>/</a:t>
+            </a:r>
+            <a:endParaRPr lang="en-US" dirty="0" smtClean="0"/>
+          </a:p>
+          <a:p>
+            <a:endParaRPr lang="en-US" dirty="0" smtClean="0"/>
+          </a:p>
+          <a:p>
+            <a:endParaRPr lang="en-US" dirty="0"/>
+          </a:p>
+        </p:txBody>
+      </p:sp>
+    </p:spTree>
+    <p:extLst>
+      <p:ext uri="{BB962C8B-B14F-4D97-AF65-F5344CB8AC3E}">
+        <p14:creationId xmlns:p14="http://schemas.microsoft.com/office/powerpoint/2010/main" val="3896616445"/>
+      </p:ext>
+    </p:extLst>
+  </p:cSld>
+  <p:clrMapOvr>
+    <a:masterClrMapping/>
+  </p:clrMapOvr>
+</p:sld>
+</file>
+
 <file path=ppt/slides/slide2.xml><?xml version="1.0" encoding="utf-8"?>
 <p:sld xmlns:a="http://schemas.openxmlformats.org/drawingml/2006/main" xmlns:r="http://schemas.openxmlformats.org/officeDocument/2006/relationships" xmlns:p="http://schemas.openxmlformats.org/presentationml/2006/main">
   <p:cSld>
@@ -3241,6 +3843,14 @@
             <a:r>
               <a:rPr lang="en-US" dirty="0" err="1" smtClean="0"/>
               <a:t>TypeLITE</a:t>
+            </a:r>
+            <a:endParaRPr lang="en-US" dirty="0" smtClean="0"/>
+          </a:p>
+          <a:p>
+            <a:pPr lvl="1"/>
+            <a:r>
+              <a:rPr lang="en-US" dirty="0" err="1" smtClean="0"/>
+              <a:t>tslint</a:t>
             </a:r>
             <a:endParaRPr lang="en-US" dirty="0" smtClean="0"/>
           </a:p>
@@ -3426,33 +4036,15 @@
                                   </p:childTnLst>
                                 </p:cTn>
                               </p:par>
-                            </p:childTnLst>
-                          </p:cTn>
-                        </p:par>
-                      </p:childTnLst>
-                    </p:cTn>
-                  </p:par>
-                  <p:par>
-                    <p:cTn id="13" fill="hold">
-                      <p:stCondLst>
-                        <p:cond delay="indefinite"/>
-                      </p:stCondLst>
-                      <p:childTnLst>
-                        <p:par>
-                          <p:cTn id="14" fill="hold">
-                            <p:stCondLst>
-                              <p:cond delay="0"/>
-                            </p:stCondLst>
-                            <p:childTnLst>
                               <p:par>
-                                <p:cTn id="15" presetID="1" presetClass="entr" presetSubtype="0" fill="hold" nodeType="clickEffect">
+                                <p:cTn id="13" presetID="1" presetClass="entr" presetSubtype="0" fill="hold" nodeType="withEffect">
                                   <p:stCondLst>
                                     <p:cond delay="0"/>
                                   </p:stCondLst>
                                   <p:childTnLst>
                                     <p:set>
                                       <p:cBhvr>
-                                        <p:cTn id="16" dur="1" fill="hold">
+                                        <p:cTn id="14" dur="1" fill="hold">
                                           <p:stCondLst>
                                             <p:cond delay="0"/>
                                           </p:stCondLst>
@@ -3482,26 +4074,26 @@
                     </p:cTn>
                   </p:par>
                   <p:par>
-                    <p:cTn id="17" fill="hold">
+                    <p:cTn id="15" fill="hold">
                       <p:stCondLst>
                         <p:cond delay="indefinite"/>
                       </p:stCondLst>
                       <p:childTnLst>
                         <p:par>
-                          <p:cTn id="18" fill="hold">
+                          <p:cTn id="16" fill="hold">
                             <p:stCondLst>
                               <p:cond delay="0"/>
                             </p:stCondLst>
                             <p:childTnLst>
                               <p:par>
-                                <p:cTn id="19" presetID="1" presetClass="entr" presetSubtype="0" fill="hold" nodeType="clickEffect">
+                                <p:cTn id="17" presetID="1" presetClass="entr" presetSubtype="0" fill="hold" nodeType="clickEffect">
                                   <p:stCondLst>
                                     <p:cond delay="0"/>
                                   </p:stCondLst>
                                   <p:childTnLst>
                                     <p:set>
                                       <p:cBhvr>
-                                        <p:cTn id="20" dur="1" fill="hold">
+                                        <p:cTn id="18" dur="1" fill="hold">
                                           <p:stCondLst>
                                             <p:cond delay="0"/>
                                           </p:stCondLst>
@@ -3510,6 +4102,55 @@
                                           <p:spTgt spid="3">
                                             <p:txEl>
                                               <p:pRg st="5" end="5"/>
+                                            </p:txEl>
+                                          </p:spTgt>
+                                        </p:tgtEl>
+                                        <p:attrNameLst>
+                                          <p:attrName>style.visibility</p:attrName>
+                                        </p:attrNameLst>
+                                      </p:cBhvr>
+                                      <p:to>
+                                        <p:strVal val="visible"/>
+                                      </p:to>
+                                    </p:set>
+                                  </p:childTnLst>
+                                </p:cTn>
+                              </p:par>
+                            </p:childTnLst>
+                          </p:cTn>
+                        </p:par>
+                      </p:childTnLst>
+                    </p:cTn>
+                  </p:par>
+                  <p:par>
+                    <p:cTn id="19" fill="hold">
+                      <p:stCondLst>
+                        <p:cond delay="indefinite"/>
+                      </p:stCondLst>
+                      <p:childTnLst>
+                        <p:par>
+                          <p:cTn id="20" fill="hold">
+                            <p:stCondLst>
+                              <p:cond delay="0"/>
+                            </p:stCondLst>
+                            <p:childTnLst>
+                              <p:par>
+                                <p:cTn id="21" presetID="1" presetClass="entr" presetSubtype="0" fill="hold" nodeType="clickEffect">
+                                  <p:stCondLst>
+                                    <p:cond delay="0"/>
+                                  </p:stCondLst>
+                                  <p:childTnLst>
+                                    <p:set>
+                                      <p:cBhvr>
+                                        <p:cTn id="22" dur="1" fill="hold">
+                                          <p:stCondLst>
+                                            <p:cond delay="0"/>
+                                          </p:stCondLst>
+                                        </p:cTn>
+                                        <p:tgtEl>
+                                          <p:spTgt spid="3">
+                                            <p:txEl>
+                                              <p:pRg st="6" end="6"/>
                                             </p:txEl>
                                           </p:spTgt>
                                         </p:tgtEl>
@@ -3588,8 +4229,16 @@
           <a:lstStyle/>
           <a:p>
             <a:r>
+              <a:rPr lang="en-US" dirty="0" smtClean="0"/>
+              <a:t>Why is JavaScript hard for .NET </a:t>
+            </a:r>
+            <a:r>
               <a:rPr lang="en-US" dirty="0" err="1" smtClean="0"/>
-              <a:t>TypeScript</a:t>
+              <a:t>devs</a:t>
+            </a:r>
+            <a:r>
+              <a:rPr lang="en-US" dirty="0" smtClean="0"/>
+              <a:t>?</a:t>
             </a:r>
             <a:endParaRPr lang="en-US" dirty="0"/>
           </a:p>
@@ -3612,103 +4261,93 @@
           <a:p>
             <a:r>
               <a:rPr lang="en-US" dirty="0" smtClean="0"/>
-              <a:t>Typed superset of JavaScript that compiles to plain JavaScript.</a:t>
-            </a:r>
-          </a:p>
-          <a:p>
-            <a:r>
-              <a:rPr lang="en-US" dirty="0" smtClean="0"/>
-              <a:t>Gives you compile-time feedback in Visual Studio</a:t>
-            </a:r>
-            <a:r>
-              <a:rPr lang="en-US" dirty="0" smtClean="0"/>
-              <a:t>.</a:t>
-            </a:r>
-          </a:p>
-          <a:p>
-            <a:r>
-              <a:rPr lang="en-US" dirty="0" err="1" smtClean="0"/>
-              <a:t>Resharper</a:t>
-            </a:r>
-            <a:r>
-              <a:rPr lang="en-US" dirty="0" smtClean="0"/>
-              <a:t> friendly.</a:t>
-            </a:r>
-            <a:endParaRPr lang="en-US" dirty="0" smtClean="0"/>
-          </a:p>
-          <a:p>
-            <a:r>
-              <a:rPr lang="en-US" dirty="0" smtClean="0"/>
-              <a:t>Current version is 1.4, released early 2015.</a:t>
-            </a:r>
-          </a:p>
-          <a:p>
-            <a:r>
-              <a:rPr lang="en-US" dirty="0" smtClean="0"/>
-              <a:t>Works </a:t>
-            </a:r>
-            <a:r>
-              <a:rPr lang="en-US" dirty="0" smtClean="0"/>
-              <a:t>with Web Essentials in VS to give you split screen TS/JS.</a:t>
-            </a:r>
-          </a:p>
-          <a:p>
-            <a:r>
-              <a:rPr lang="en-US" dirty="0" smtClean="0"/>
-              <a:t>File extension is .</a:t>
-            </a:r>
-            <a:r>
-              <a:rPr lang="en-US" dirty="0" err="1" smtClean="0"/>
-              <a:t>ts</a:t>
-            </a:r>
-            <a:r>
-              <a:rPr lang="en-US" dirty="0" smtClean="0"/>
-              <a:t>, on compile it generates .</a:t>
-            </a:r>
-            <a:r>
-              <a:rPr lang="en-US" dirty="0" err="1" smtClean="0"/>
-              <a:t>js</a:t>
-            </a:r>
-            <a:r>
-              <a:rPr lang="en-US" dirty="0" smtClean="0"/>
-              <a:t> and .</a:t>
-            </a:r>
-            <a:r>
-              <a:rPr lang="en-US" dirty="0" err="1" smtClean="0"/>
-              <a:t>js.map</a:t>
-            </a:r>
-            <a:r>
-              <a:rPr lang="en-US" dirty="0" smtClean="0"/>
-              <a:t> files. Do not need to check those into source control.</a:t>
-            </a:r>
-          </a:p>
-          <a:p>
-            <a:r>
-              <a:rPr lang="en-US" dirty="0" smtClean="0"/>
-              <a:t>Can compile </a:t>
-            </a:r>
-            <a:r>
-              <a:rPr lang="en-US" dirty="0" err="1" smtClean="0"/>
-              <a:t>TypeScript</a:t>
-            </a:r>
-            <a:r>
-              <a:rPr lang="en-US" dirty="0" smtClean="0"/>
-              <a:t> files from VS, or other </a:t>
-            </a:r>
-            <a:r>
-              <a:rPr lang="en-US" dirty="0" err="1" smtClean="0"/>
-              <a:t>other</a:t>
-            </a:r>
-            <a:r>
-              <a:rPr lang="en-US" dirty="0" smtClean="0"/>
-              <a:t> build scripts.</a:t>
-            </a:r>
-          </a:p>
-          <a:p>
+              <a:t>No type safety</a:t>
+            </a:r>
+          </a:p>
+          <a:p>
+            <a:r>
+              <a:rPr lang="en-US" dirty="0" smtClean="0"/>
+              <a:t>Functionality language with iffy syntax.</a:t>
+            </a:r>
+          </a:p>
+          <a:p>
+            <a:r>
+              <a:rPr lang="en-US" dirty="0" smtClean="0"/>
+              <a:t>Not object-oriented.</a:t>
+            </a:r>
+          </a:p>
+          <a:p>
+            <a:r>
+              <a:rPr lang="en-US" dirty="0" smtClean="0"/>
+              <a:t>Not many organizational constructs.</a:t>
+            </a:r>
             <a:endParaRPr lang="en-US" dirty="0"/>
           </a:p>
         </p:txBody>
       </p:sp>
+      <p:sp>
+        <p:nvSpPr>
+          <p:cNvPr id="6" name="TextBox 5"/>
+          <p:cNvSpPr txBox="1"/>
+          <p:nvPr/>
+        </p:nvSpPr>
+        <p:spPr>
+          <a:xfrm>
+            <a:off x="6226233" y="5527964"/>
+            <a:ext cx="4942443" cy="523220"/>
+          </a:xfrm>
+          <a:prstGeom prst="rect">
+            <a:avLst/>
+          </a:prstGeom>
+          <a:noFill/>
+        </p:spPr>
+        <p:txBody>
+          <a:bodyPr wrap="none" rtlCol="0">
+            <a:spAutoFit/>
+          </a:bodyPr>
+          <a:lstStyle/>
+          <a:p>
+            <a:r>
+              <a:rPr lang="en-US" sz="2800" dirty="0" smtClean="0"/>
+              <a:t>Basically everything .NET is not…</a:t>
+            </a:r>
+            <a:endParaRPr lang="en-US" sz="2800" dirty="0"/>
+          </a:p>
+        </p:txBody>
+      </p:sp>
+      <p:cxnSp>
+        <p:nvCxnSpPr>
+          <p:cNvPr id="8" name="Straight Arrow Connector 7"/>
+          <p:cNvCxnSpPr/>
+          <p:nvPr/>
+        </p:nvCxnSpPr>
+        <p:spPr>
+          <a:xfrm flipH="1" flipV="1">
+            <a:off x="6043353" y="3906982"/>
+            <a:ext cx="1180407" cy="1546167"/>
+          </a:xfrm>
+          <a:prstGeom prst="straightConnector1">
+            <a:avLst/>
+          </a:prstGeom>
+          <a:ln>
+            <a:tailEnd type="triangle"/>
+          </a:ln>
+        </p:spPr>
+        <p:style>
+          <a:lnRef idx="3">
+            <a:schemeClr val="accent2"/>
+          </a:lnRef>
+          <a:fillRef idx="0">
+            <a:schemeClr val="accent2"/>
+          </a:fillRef>
+          <a:effectRef idx="2">
+            <a:schemeClr val="accent2"/>
+          </a:effectRef>
+          <a:fontRef idx="minor">
+            <a:schemeClr val="tx1"/>
+          </a:fontRef>
+        </p:style>
+      </p:cxnSp>
     </p:spTree>
     <p:extLst>
       <p:ext uri="{BB962C8B-B14F-4D97-AF65-F5344CB8AC3E}">
@@ -3755,17 +4394,9 @@
           <a:lstStyle/>
           <a:p>
             <a:r>
-              <a:rPr lang="en-US" dirty="0" smtClean="0"/>
-              <a:t>Why </a:t>
-            </a:r>
-            <a:r>
               <a:rPr lang="en-US" dirty="0" err="1" smtClean="0"/>
               <a:t>TypeScript</a:t>
             </a:r>
-            <a:r>
-              <a:rPr lang="en-US" dirty="0" smtClean="0"/>
-              <a:t>?</a:t>
-            </a:r>
             <a:endParaRPr lang="en-US" dirty="0"/>
           </a:p>
         </p:txBody>
@@ -3780,7 +4411,12 @@
             <p:ph idx="1"/>
           </p:nvPr>
         </p:nvSpPr>
-        <p:spPr/>
+        <p:spPr>
+          <a:xfrm>
+            <a:off x="838200" y="1825624"/>
+            <a:ext cx="10515600" cy="4708179"/>
+          </a:xfrm>
+        </p:spPr>
         <p:txBody>
           <a:bodyPr>
             <a:normAutofit lnSpcReduction="10000"/>
@@ -3789,101 +4425,110 @@
           <a:p>
             <a:r>
               <a:rPr lang="en-US" dirty="0" smtClean="0"/>
+              <a:t>Typed superset of JavaScript that compiles to plain JavaScript.</a:t>
+            </a:r>
+          </a:p>
+          <a:p>
+            <a:r>
+              <a:rPr lang="en-US" dirty="0" smtClean="0"/>
+              <a:t>Anders Hejlsberg is core developer.</a:t>
+            </a:r>
+          </a:p>
+          <a:p>
+            <a:r>
+              <a:rPr lang="en-US" dirty="0" smtClean="0"/>
               <a:t>Gives you compile-time feedback in Visual Studio.</a:t>
             </a:r>
           </a:p>
           <a:p>
             <a:r>
-              <a:rPr lang="en-US" dirty="0" smtClean="0"/>
-              <a:t>Makes your JavaScript code more easily </a:t>
-            </a:r>
-            <a:r>
               <a:rPr lang="en-US" dirty="0" err="1" smtClean="0"/>
-              <a:t>refactorable</a:t>
-            </a:r>
-            <a:r>
-              <a:rPr lang="en-US" dirty="0" smtClean="0"/>
-              <a:t>.</a:t>
-            </a:r>
+              <a:t>Resharper</a:t>
+            </a:r>
+            <a:r>
+              <a:rPr lang="en-US" dirty="0" smtClean="0"/>
+              <a:t> friendly.</a:t>
+            </a:r>
+          </a:p>
+          <a:p>
+            <a:r>
+              <a:rPr lang="en-US" dirty="0" smtClean="0"/>
+              <a:t>Current version is 1.4, released early 2015.</a:t>
+            </a:r>
+          </a:p>
+          <a:p>
+            <a:r>
+              <a:rPr lang="en-US" dirty="0" smtClean="0"/>
+              <a:t>Works with Web Essentials in VS to give you split screen TS/JS.</a:t>
+            </a:r>
+          </a:p>
+          <a:p>
+            <a:r>
+              <a:rPr lang="en-US" dirty="0" smtClean="0"/>
+              <a:t>File extension is .</a:t>
+            </a:r>
+            <a:r>
+              <a:rPr lang="en-US" dirty="0" err="1" smtClean="0"/>
+              <a:t>ts</a:t>
+            </a:r>
+            <a:r>
+              <a:rPr lang="en-US" dirty="0" smtClean="0"/>
+              <a:t>, on compile it generates .</a:t>
+            </a:r>
+            <a:r>
+              <a:rPr lang="en-US" dirty="0" err="1" smtClean="0"/>
+              <a:t>js</a:t>
+            </a:r>
+            <a:r>
+              <a:rPr lang="en-US" dirty="0" smtClean="0"/>
+              <a:t> and .</a:t>
+            </a:r>
+            <a:r>
+              <a:rPr lang="en-US" dirty="0" err="1" smtClean="0"/>
+              <a:t>js.map</a:t>
+            </a:r>
+            <a:r>
+              <a:rPr lang="en-US" dirty="0" smtClean="0"/>
+              <a:t> files. Do not need to check those into source control.</a:t>
+            </a:r>
+          </a:p>
+          <a:p>
+            <a:r>
+              <a:rPr lang="en-US" dirty="0" smtClean="0"/>
+              <a:t>Can compile </a:t>
+            </a:r>
+            <a:r>
+              <a:rPr lang="en-US" dirty="0" err="1" smtClean="0"/>
+              <a:t>TypeScript</a:t>
+            </a:r>
+            <a:r>
+              <a:rPr lang="en-US" dirty="0" smtClean="0"/>
+              <a:t> files from VS, or other </a:t>
+            </a:r>
+            <a:r>
+              <a:rPr lang="en-US" dirty="0" err="1" smtClean="0"/>
+              <a:t>other</a:t>
+            </a:r>
+            <a:r>
+              <a:rPr lang="en-US" dirty="0" smtClean="0"/>
+              <a:t> build scripts.</a:t>
+            </a:r>
+          </a:p>
+          <a:p>
+            <a:r>
+              <a:rPr lang="en-US" dirty="0" smtClean="0"/>
+              <a:t>Open Source.</a:t>
+            </a:r>
+          </a:p>
+          <a:p>
             <a:endParaRPr lang="en-US" dirty="0"/>
-          </a:p>
-          <a:p>
-            <a:r>
-              <a:rPr lang="en-US" dirty="0" smtClean="0"/>
-              <a:t>Makes concepts you’re familiar with from working in .NET easily understandable in JS.</a:t>
-            </a:r>
-          </a:p>
-          <a:p>
-            <a:pPr lvl="1"/>
-            <a:r>
-              <a:rPr lang="en-US" dirty="0" smtClean="0"/>
-              <a:t>Classes, constructors, interfaces, etc.</a:t>
-            </a:r>
-          </a:p>
-          <a:p>
-            <a:r>
-              <a:rPr lang="en-US" dirty="0" smtClean="0"/>
-              <a:t>Handles JS best practices (quirks?) for you.</a:t>
-            </a:r>
-          </a:p>
-          <a:p>
-            <a:pPr lvl="1"/>
-            <a:r>
-              <a:rPr lang="en-US" dirty="0" smtClean="0"/>
-              <a:t>IIFEs (</a:t>
-            </a:r>
-            <a:r>
-              <a:rPr lang="en-US" dirty="0"/>
-              <a:t>immediately-invoked function </a:t>
-            </a:r>
-            <a:r>
-              <a:rPr lang="en-US" dirty="0" smtClean="0"/>
-              <a:t>expressions)</a:t>
-            </a:r>
-          </a:p>
-          <a:p>
-            <a:pPr lvl="1"/>
-            <a:r>
-              <a:rPr lang="en-US" dirty="0" smtClean="0"/>
-              <a:t>Gracefully handles “this” in JS.</a:t>
-            </a:r>
-          </a:p>
-          <a:p>
-            <a:r>
-              <a:rPr lang="en-US" dirty="0" smtClean="0"/>
-              <a:t>When used with </a:t>
-            </a:r>
-            <a:r>
-              <a:rPr lang="en-US" dirty="0" err="1" smtClean="0"/>
-              <a:t>DefinitelyTyped</a:t>
-            </a:r>
-            <a:r>
-              <a:rPr lang="en-US" dirty="0" smtClean="0"/>
-              <a:t> </a:t>
-            </a:r>
-            <a:r>
-              <a:rPr lang="en-US" dirty="0" err="1" smtClean="0"/>
-              <a:t>typings</a:t>
-            </a:r>
-            <a:r>
-              <a:rPr lang="en-US" dirty="0" smtClean="0"/>
-              <a:t> and </a:t>
-            </a:r>
-            <a:r>
-              <a:rPr lang="en-US" dirty="0" err="1" smtClean="0"/>
-              <a:t>TypeLITE</a:t>
-            </a:r>
-            <a:r>
-              <a:rPr lang="en-US" dirty="0" smtClean="0"/>
-              <a:t>, it gets a whole lot better.</a:t>
-            </a:r>
           </a:p>
         </p:txBody>
       </p:sp>
     </p:spTree>
     <p:extLst>
       <p:ext uri="{BB962C8B-B14F-4D97-AF65-F5344CB8AC3E}">
-        <p14:creationId xmlns:p14="http://schemas.microsoft.com/office/powerpoint/2010/main" val="3321853085"/>
+        <p14:creationId xmlns:p14="http://schemas.microsoft.com/office/powerpoint/2010/main" val="613931255"/>
       </p:ext>
     </p:extLst>
   </p:cSld>
@@ -3954,6 +4599,203 @@
         <p:spPr/>
         <p:txBody>
           <a:bodyPr>
+            <a:normAutofit fontScale="92500" lnSpcReduction="20000"/>
+          </a:bodyPr>
+          <a:lstStyle/>
+          <a:p>
+            <a:r>
+              <a:rPr lang="en-US" dirty="0" smtClean="0"/>
+              <a:t>Gives you compile-time feedback in Visual Studio.</a:t>
+            </a:r>
+          </a:p>
+          <a:p>
+            <a:r>
+              <a:rPr lang="en-US" dirty="0" smtClean="0"/>
+              <a:t>Makes your JavaScript code more easily </a:t>
+            </a:r>
+            <a:r>
+              <a:rPr lang="en-US" dirty="0" err="1" smtClean="0"/>
+              <a:t>refactorable</a:t>
+            </a:r>
+            <a:r>
+              <a:rPr lang="en-US" dirty="0" smtClean="0"/>
+              <a:t>.</a:t>
+            </a:r>
+            <a:endParaRPr lang="en-US" dirty="0"/>
+          </a:p>
+          <a:p>
+            <a:r>
+              <a:rPr lang="en-US" dirty="0" smtClean="0"/>
+              <a:t>Makes concepts you’re familiar with from working in .NET easily understandable in JS.</a:t>
+            </a:r>
+          </a:p>
+          <a:p>
+            <a:pPr lvl="1"/>
+            <a:r>
+              <a:rPr lang="en-US" dirty="0" smtClean="0"/>
+              <a:t>Classes, constructors, interfaces, </a:t>
+            </a:r>
+            <a:r>
+              <a:rPr lang="en-US" dirty="0" smtClean="0"/>
+              <a:t>etc</a:t>
+            </a:r>
+            <a:r>
+              <a:rPr lang="en-US" dirty="0" smtClean="0"/>
+              <a:t>.</a:t>
+            </a:r>
+          </a:p>
+          <a:p>
+            <a:r>
+              <a:rPr lang="en-US" dirty="0" smtClean="0"/>
+              <a:t>Take advantage of familiar IDE features.</a:t>
+            </a:r>
+          </a:p>
+          <a:p>
+            <a:pPr lvl="1"/>
+            <a:r>
+              <a:rPr lang="en-US" dirty="0" smtClean="0"/>
+              <a:t>Find Usages, Go To Implementation</a:t>
+            </a:r>
+            <a:r>
+              <a:rPr lang="en-US" smtClean="0"/>
+              <a:t>, etc.</a:t>
+            </a:r>
+            <a:endParaRPr lang="en-US" dirty="0" smtClean="0"/>
+          </a:p>
+          <a:p>
+            <a:r>
+              <a:rPr lang="en-US" dirty="0" smtClean="0"/>
+              <a:t>Handles JS best practices (quirks?) for you.</a:t>
+            </a:r>
+          </a:p>
+          <a:p>
+            <a:pPr lvl="1"/>
+            <a:r>
+              <a:rPr lang="en-US" dirty="0" smtClean="0"/>
+              <a:t>IIFEs (</a:t>
+            </a:r>
+            <a:r>
+              <a:rPr lang="en-US" dirty="0"/>
+              <a:t>immediately-invoked function </a:t>
+            </a:r>
+            <a:r>
+              <a:rPr lang="en-US" dirty="0" smtClean="0"/>
+              <a:t>expressions)</a:t>
+            </a:r>
+          </a:p>
+          <a:p>
+            <a:pPr lvl="1"/>
+            <a:r>
+              <a:rPr lang="en-US" dirty="0" smtClean="0"/>
+              <a:t>Gracefully handles “this” in JS.</a:t>
+            </a:r>
+          </a:p>
+          <a:p>
+            <a:r>
+              <a:rPr lang="en-US" dirty="0" smtClean="0"/>
+              <a:t>When used with </a:t>
+            </a:r>
+            <a:r>
+              <a:rPr lang="en-US" dirty="0" err="1" smtClean="0"/>
+              <a:t>DefinitelyTyped</a:t>
+            </a:r>
+            <a:r>
+              <a:rPr lang="en-US" dirty="0" smtClean="0"/>
+              <a:t> </a:t>
+            </a:r>
+            <a:r>
+              <a:rPr lang="en-US" dirty="0" err="1" smtClean="0"/>
+              <a:t>typings</a:t>
+            </a:r>
+            <a:r>
+              <a:rPr lang="en-US" dirty="0" smtClean="0"/>
+              <a:t> and </a:t>
+            </a:r>
+            <a:r>
+              <a:rPr lang="en-US" dirty="0" err="1" smtClean="0"/>
+              <a:t>TypeLITE</a:t>
+            </a:r>
+            <a:r>
+              <a:rPr lang="en-US" dirty="0" smtClean="0"/>
+              <a:t>, it gets a whole lot better.</a:t>
+            </a:r>
+          </a:p>
+        </p:txBody>
+      </p:sp>
+    </p:spTree>
+    <p:extLst>
+      <p:ext uri="{BB962C8B-B14F-4D97-AF65-F5344CB8AC3E}">
+        <p14:creationId xmlns:p14="http://schemas.microsoft.com/office/powerpoint/2010/main" val="3321853085"/>
+      </p:ext>
+    </p:extLst>
+  </p:cSld>
+  <p:clrMapOvr>
+    <a:masterClrMapping/>
+  </p:clrMapOvr>
+</p:sld>
+</file>
+
+<file path=ppt/slides/slide6.xml><?xml version="1.0" encoding="utf-8"?>
+<p:sld xmlns:a="http://schemas.openxmlformats.org/drawingml/2006/main" xmlns:r="http://schemas.openxmlformats.org/officeDocument/2006/relationships" xmlns:p="http://schemas.openxmlformats.org/presentationml/2006/main">
+  <p:cSld>
+    <p:spTree>
+      <p:nvGrpSpPr>
+        <p:cNvPr id="1" name=""/>
+        <p:cNvGrpSpPr/>
+        <p:nvPr/>
+      </p:nvGrpSpPr>
+      <p:grpSpPr>
+        <a:xfrm>
+          <a:off x="0" y="0"/>
+          <a:ext cx="0" cy="0"/>
+          <a:chOff x="0" y="0"/>
+          <a:chExt cx="0" cy="0"/>
+        </a:xfrm>
+      </p:grpSpPr>
+      <p:sp>
+        <p:nvSpPr>
+          <p:cNvPr id="2" name="Title 1"/>
+          <p:cNvSpPr>
+            <a:spLocks noGrp="1"/>
+          </p:cNvSpPr>
+          <p:nvPr>
+            <p:ph type="title"/>
+          </p:nvPr>
+        </p:nvSpPr>
+        <p:spPr/>
+        <p:txBody>
+          <a:bodyPr/>
+          <a:lstStyle/>
+          <a:p>
+            <a:r>
+              <a:rPr lang="en-US" dirty="0" smtClean="0"/>
+              <a:t>Why </a:t>
+            </a:r>
+            <a:r>
+              <a:rPr lang="en-US" dirty="0" err="1" smtClean="0"/>
+              <a:t>TypeScript</a:t>
+            </a:r>
+            <a:r>
+              <a:rPr lang="en-US" dirty="0" smtClean="0"/>
+              <a:t>?</a:t>
+            </a:r>
+            <a:endParaRPr lang="en-US" dirty="0"/>
+          </a:p>
+        </p:txBody>
+      </p:sp>
+      <p:sp>
+        <p:nvSpPr>
+          <p:cNvPr id="3" name="Content Placeholder 2"/>
+          <p:cNvSpPr>
+            <a:spLocks noGrp="1"/>
+          </p:cNvSpPr>
+          <p:nvPr>
+            <p:ph idx="1"/>
+          </p:nvPr>
+        </p:nvSpPr>
+        <p:spPr/>
+        <p:txBody>
+          <a:bodyPr>
             <a:normAutofit/>
           </a:bodyPr>
           <a:lstStyle/>
@@ -3970,7 +4812,6 @@
               <a:rPr lang="en-US" dirty="0" smtClean="0"/>
               <a:t>.</a:t>
             </a:r>
-            <a:endParaRPr lang="en-US" dirty="0" smtClean="0"/>
           </a:p>
         </p:txBody>
       </p:sp>
@@ -4028,132 +4869,6 @@
 </p:sld>
 </file>
 
-<file path=ppt/slides/slide6.xml><?xml version="1.0" encoding="utf-8"?>
-<p:sld xmlns:a="http://schemas.openxmlformats.org/drawingml/2006/main" xmlns:r="http://schemas.openxmlformats.org/officeDocument/2006/relationships" xmlns:p="http://schemas.openxmlformats.org/presentationml/2006/main">
-  <p:cSld>
-    <p:spTree>
-      <p:nvGrpSpPr>
-        <p:cNvPr id="1" name=""/>
-        <p:cNvGrpSpPr/>
-        <p:nvPr/>
-      </p:nvGrpSpPr>
-      <p:grpSpPr>
-        <a:xfrm>
-          <a:off x="0" y="0"/>
-          <a:ext cx="0" cy="0"/>
-          <a:chOff x="0" y="0"/>
-          <a:chExt cx="0" cy="0"/>
-        </a:xfrm>
-      </p:grpSpPr>
-      <p:sp>
-        <p:nvSpPr>
-          <p:cNvPr id="2" name="Title 1"/>
-          <p:cNvSpPr>
-            <a:spLocks noGrp="1"/>
-          </p:cNvSpPr>
-          <p:nvPr>
-            <p:ph type="title"/>
-          </p:nvPr>
-        </p:nvSpPr>
-        <p:spPr/>
-        <p:txBody>
-          <a:bodyPr/>
-          <a:lstStyle/>
-          <a:p>
-            <a:r>
-              <a:rPr lang="en-US" dirty="0" err="1" smtClean="0"/>
-              <a:t>DefinitelyTyped</a:t>
-            </a:r>
-            <a:endParaRPr lang="en-US" dirty="0"/>
-          </a:p>
-        </p:txBody>
-      </p:sp>
-      <p:sp>
-        <p:nvSpPr>
-          <p:cNvPr id="3" name="Content Placeholder 2"/>
-          <p:cNvSpPr>
-            <a:spLocks noGrp="1"/>
-          </p:cNvSpPr>
-          <p:nvPr>
-            <p:ph idx="1"/>
-          </p:nvPr>
-        </p:nvSpPr>
-        <p:spPr/>
-        <p:txBody>
-          <a:bodyPr/>
-          <a:lstStyle/>
-          <a:p>
-            <a:r>
-              <a:rPr lang="en-US" dirty="0" smtClean="0"/>
-              <a:t>Community contributed type definitions of various JavaScript third party libraries</a:t>
-            </a:r>
-          </a:p>
-          <a:p>
-            <a:pPr lvl="1"/>
-            <a:r>
-              <a:rPr lang="en-US" dirty="0" smtClean="0"/>
-              <a:t>Angular, Knockout, jQuery, Bootstrap, </a:t>
-            </a:r>
-            <a:r>
-              <a:rPr lang="en-US" dirty="0" err="1" smtClean="0"/>
-              <a:t>Ladda</a:t>
-            </a:r>
-            <a:r>
-              <a:rPr lang="en-US" dirty="0" smtClean="0"/>
-              <a:t>, </a:t>
-            </a:r>
-            <a:r>
-              <a:rPr lang="en-US" dirty="0" err="1" smtClean="0"/>
-              <a:t>Toastr</a:t>
-            </a:r>
-            <a:r>
-              <a:rPr lang="en-US" dirty="0" smtClean="0"/>
-              <a:t>, Kendo, Moment, Underscore, Spin</a:t>
-            </a:r>
-          </a:p>
-          <a:p>
-            <a:r>
-              <a:rPr lang="en-US" dirty="0" smtClean="0"/>
-              <a:t>All of these definitions are available on </a:t>
-            </a:r>
-            <a:r>
-              <a:rPr lang="en-US" dirty="0" err="1" smtClean="0"/>
-              <a:t>NuGet</a:t>
-            </a:r>
-            <a:r>
-              <a:rPr lang="en-US" dirty="0" smtClean="0"/>
-              <a:t>.</a:t>
-            </a:r>
-          </a:p>
-          <a:p>
-            <a:r>
-              <a:rPr lang="en-US" dirty="0" smtClean="0"/>
-              <a:t>When you reference these type definitions, you make them compatible with </a:t>
-            </a:r>
-            <a:r>
-              <a:rPr lang="en-US" dirty="0" err="1" smtClean="0"/>
-              <a:t>TypeScript</a:t>
-            </a:r>
-            <a:r>
-              <a:rPr lang="en-US" dirty="0" smtClean="0"/>
-              <a:t> and get all the benefits. </a:t>
-            </a:r>
-          </a:p>
-        </p:txBody>
-      </p:sp>
-    </p:spTree>
-    <p:extLst>
-      <p:ext uri="{BB962C8B-B14F-4D97-AF65-F5344CB8AC3E}">
-        <p14:creationId xmlns:p14="http://schemas.microsoft.com/office/powerpoint/2010/main" val="553818992"/>
-      </p:ext>
-    </p:extLst>
-  </p:cSld>
-  <p:clrMapOvr>
-    <a:masterClrMapping/>
-  </p:clrMapOvr>
-</p:sld>
-</file>
-
 <file path=ppt/slides/slide7.xml><?xml version="1.0" encoding="utf-8"?>
 <p:sld xmlns:a="http://schemas.openxmlformats.org/drawingml/2006/main" xmlns:r="http://schemas.openxmlformats.org/officeDocument/2006/relationships" xmlns:p="http://schemas.openxmlformats.org/presentationml/2006/main">
   <p:cSld>
@@ -4188,7 +4903,7 @@
           <a:p>
             <a:r>
               <a:rPr lang="en-US" dirty="0" err="1" smtClean="0"/>
-              <a:t>TypeLITE</a:t>
+              <a:t>DefinitelyTyped</a:t>
             </a:r>
             <a:endParaRPr lang="en-US" dirty="0"/>
           </a:p>
@@ -4211,7 +4926,50 @@
           <a:p>
             <a:r>
               <a:rPr lang="en-US" dirty="0" smtClean="0"/>
-              <a:t>A utility that generates </a:t>
+              <a:t>Community contributed type definitions of various JavaScript third party libraries</a:t>
+            </a:r>
+          </a:p>
+          <a:p>
+            <a:pPr lvl="1"/>
+            <a:r>
+              <a:rPr lang="en-US" dirty="0" smtClean="0"/>
+              <a:t>Angular, Knockout, jQuery, Bootstrap, </a:t>
+            </a:r>
+            <a:r>
+              <a:rPr lang="en-US" dirty="0" err="1" smtClean="0"/>
+              <a:t>Ladda</a:t>
+            </a:r>
+            <a:r>
+              <a:rPr lang="en-US" dirty="0" smtClean="0"/>
+              <a:t>, </a:t>
+            </a:r>
+            <a:r>
+              <a:rPr lang="en-US" dirty="0" err="1" smtClean="0"/>
+              <a:t>Toastr</a:t>
+            </a:r>
+            <a:r>
+              <a:rPr lang="en-US" dirty="0" smtClean="0"/>
+              <a:t>, Kendo, Moment, Underscore, Spin</a:t>
+            </a:r>
+          </a:p>
+          <a:p>
+            <a:r>
+              <a:rPr lang="en-US" dirty="0" smtClean="0"/>
+              <a:t>All of these definitions are available on </a:t>
+            </a:r>
+            <a:r>
+              <a:rPr lang="en-US" dirty="0" err="1" smtClean="0"/>
+              <a:t>NuGet</a:t>
+            </a:r>
+            <a:r>
+              <a:rPr lang="en-US" dirty="0" smtClean="0"/>
+              <a:t>.</a:t>
+            </a:r>
+          </a:p>
+          <a:p>
+            <a:r>
+              <a:rPr lang="en-US" dirty="0" smtClean="0"/>
+              <a:t>When you reference these type definitions, you make them compatible with </a:t>
             </a:r>
             <a:r>
               <a:rPr lang="en-US" dirty="0" err="1" smtClean="0"/>
@@ -4219,43 +4977,7 @@
             </a:r>
             <a:r>
               <a:rPr lang="en-US" dirty="0" smtClean="0"/>
-              <a:t> definitions from your own .NET classes.</a:t>
-            </a:r>
-          </a:p>
-          <a:p>
-            <a:r>
-              <a:rPr lang="en-US" dirty="0" smtClean="0"/>
-              <a:t>Add a </a:t>
-            </a:r>
-            <a:r>
-              <a:rPr lang="en-US" dirty="0" err="1" smtClean="0"/>
-              <a:t>TsClass</a:t>
-            </a:r>
-            <a:r>
-              <a:rPr lang="en-US" dirty="0" smtClean="0"/>
-              <a:t>/</a:t>
-            </a:r>
-            <a:r>
-              <a:rPr lang="en-US" dirty="0" err="1" smtClean="0"/>
-              <a:t>TsEnum</a:t>
-            </a:r>
-            <a:r>
-              <a:rPr lang="en-US" dirty="0" smtClean="0"/>
-              <a:t> attribute to your .NET class, and they will be included in the generation.</a:t>
-            </a:r>
-          </a:p>
-          <a:p>
-            <a:r>
-              <a:rPr lang="en-US" dirty="0" smtClean="0"/>
-              <a:t>The data structures you work with in JavaScript will now be typed and easily </a:t>
-            </a:r>
-            <a:r>
-              <a:rPr lang="en-US" dirty="0" err="1" smtClean="0"/>
-              <a:t>refactorable</a:t>
-            </a:r>
-            <a:r>
-              <a:rPr lang="en-US" dirty="0" smtClean="0"/>
-              <a:t>.</a:t>
+              <a:t> and get all the benefits. </a:t>
             </a:r>
           </a:p>
         </p:txBody>
@@ -4263,7 +4985,7 @@
     </p:spTree>
     <p:extLst>
       <p:ext uri="{BB962C8B-B14F-4D97-AF65-F5344CB8AC3E}">
-        <p14:creationId xmlns:p14="http://schemas.microsoft.com/office/powerpoint/2010/main" val="1777018463"/>
+        <p14:creationId xmlns:p14="http://schemas.microsoft.com/office/powerpoint/2010/main" val="553818992"/>
       </p:ext>
     </p:extLst>
   </p:cSld>
@@ -4306,8 +5028,8 @@
           <a:lstStyle/>
           <a:p>
             <a:r>
-              <a:rPr lang="en-US" dirty="0" smtClean="0"/>
-              <a:t>Where Can I Learn More?</a:t>
+              <a:rPr lang="en-US" dirty="0" err="1" smtClean="0"/>
+              <a:t>TypeLITE</a:t>
             </a:r>
             <a:endParaRPr lang="en-US" dirty="0"/>
           </a:p>
@@ -4329,102 +5051,182 @@
           <a:lstStyle/>
           <a:p>
             <a:r>
-              <a:rPr lang="en-US" dirty="0" err="1" smtClean="0"/>
-              <a:t>Pluralsight</a:t>
-            </a:r>
-            <a:endParaRPr lang="en-US" dirty="0" smtClean="0"/>
-          </a:p>
-          <a:p>
-            <a:pPr lvl="1"/>
+              <a:rPr lang="en-US" dirty="0" smtClean="0"/>
+              <a:t>A utility that generates </a:t>
+            </a:r>
             <a:r>
               <a:rPr lang="en-US" dirty="0" err="1" smtClean="0"/>
               <a:t>TypeScript</a:t>
             </a:r>
             <a:r>
               <a:rPr lang="en-US" dirty="0" smtClean="0"/>
-              <a:t> Fundamentals</a:t>
-            </a:r>
-          </a:p>
-          <a:p>
-            <a:pPr lvl="1"/>
-            <a:r>
-              <a:rPr lang="en-US" dirty="0" smtClean="0"/>
-              <a:t>Using </a:t>
+              <a:t> definitions from your own .NET classes.</a:t>
+            </a:r>
+          </a:p>
+          <a:p>
+            <a:r>
+              <a:rPr lang="en-US" dirty="0" smtClean="0"/>
+              <a:t>Add a </a:t>
             </a:r>
             <a:r>
               <a:rPr lang="en-US" dirty="0" err="1" smtClean="0"/>
-              <a:t>TypeScript</a:t>
-            </a:r>
-            <a:r>
-              <a:rPr lang="en-US" dirty="0" smtClean="0"/>
-              <a:t> for Large </a:t>
+              <a:t>TsClass</a:t>
+            </a:r>
+            <a:r>
+              <a:rPr lang="en-US" dirty="0" smtClean="0"/>
+              <a:t>/</a:t>
             </a:r>
             <a:r>
               <a:rPr lang="en-US" dirty="0" err="1" smtClean="0"/>
-              <a:t>AngularJS</a:t>
-            </a:r>
-            <a:r>
-              <a:rPr lang="en-US" dirty="0" smtClean="0"/>
-              <a:t> Applications</a:t>
-            </a:r>
-          </a:p>
-          <a:p>
-            <a:r>
-              <a:rPr lang="en-US" dirty="0">
-                <a:hlinkClick r:id="rId2"/>
-              </a:rPr>
-              <a:t>http://www.typescriptlang.org</a:t>
-            </a:r>
-            <a:r>
-              <a:rPr lang="en-US" dirty="0" smtClean="0">
-                <a:hlinkClick r:id="rId2"/>
-              </a:rPr>
-              <a:t>/</a:t>
-            </a:r>
-            <a:endParaRPr lang="en-US" dirty="0" smtClean="0"/>
-          </a:p>
-          <a:p>
-            <a:r>
-              <a:rPr lang="en-US" dirty="0">
-                <a:hlinkClick r:id="rId3"/>
-              </a:rPr>
-              <a:t>http://definitelytyped.org</a:t>
-            </a:r>
-            <a:r>
-              <a:rPr lang="en-US" dirty="0" smtClean="0">
-                <a:hlinkClick r:id="rId3"/>
-              </a:rPr>
-              <a:t>/</a:t>
-            </a:r>
-            <a:endParaRPr lang="en-US" dirty="0" smtClean="0"/>
-          </a:p>
-          <a:p>
-            <a:r>
-              <a:rPr lang="en-US" dirty="0">
-                <a:hlinkClick r:id="rId4"/>
-              </a:rPr>
-              <a:t>http://type.litesolutions.net</a:t>
-            </a:r>
-            <a:r>
-              <a:rPr lang="en-US" dirty="0" smtClean="0">
-                <a:hlinkClick r:id="rId4"/>
-              </a:rPr>
-              <a:t>/</a:t>
-            </a:r>
-            <a:endParaRPr lang="en-US" dirty="0" smtClean="0"/>
-          </a:p>
-          <a:p>
-            <a:endParaRPr lang="en-US" dirty="0" smtClean="0"/>
-          </a:p>
-          <a:p>
-            <a:endParaRPr lang="en-US" dirty="0"/>
+              <a:t>TsEnum</a:t>
+            </a:r>
+            <a:r>
+              <a:rPr lang="en-US" dirty="0" smtClean="0"/>
+              <a:t> attribute to your .NET class, and they will be included in the generation.</a:t>
+            </a:r>
+          </a:p>
+          <a:p>
+            <a:r>
+              <a:rPr lang="en-US" dirty="0" smtClean="0"/>
+              <a:t>The data structures you work with in JavaScript will now be typed and easily </a:t>
+            </a:r>
+            <a:r>
+              <a:rPr lang="en-US" dirty="0" err="1" smtClean="0"/>
+              <a:t>refactorable</a:t>
+            </a:r>
+            <a:r>
+              <a:rPr lang="en-US" dirty="0" smtClean="0"/>
+              <a:t>.</a:t>
+            </a:r>
           </a:p>
         </p:txBody>
       </p:sp>
     </p:spTree>
     <p:extLst>
       <p:ext uri="{BB962C8B-B14F-4D97-AF65-F5344CB8AC3E}">
-        <p14:creationId xmlns:p14="http://schemas.microsoft.com/office/powerpoint/2010/main" val="3896616445"/>
+        <p14:creationId xmlns:p14="http://schemas.microsoft.com/office/powerpoint/2010/main" val="1777018463"/>
+      </p:ext>
+    </p:extLst>
+  </p:cSld>
+  <p:clrMapOvr>
+    <a:masterClrMapping/>
+  </p:clrMapOvr>
+</p:sld>
+</file>
+
+<file path=ppt/slides/slide9.xml><?xml version="1.0" encoding="utf-8"?>
+<p:sld xmlns:a="http://schemas.openxmlformats.org/drawingml/2006/main" xmlns:r="http://schemas.openxmlformats.org/officeDocument/2006/relationships" xmlns:p="http://schemas.openxmlformats.org/presentationml/2006/main">
+  <p:cSld>
+    <p:spTree>
+      <p:nvGrpSpPr>
+        <p:cNvPr id="1" name=""/>
+        <p:cNvGrpSpPr/>
+        <p:nvPr/>
+      </p:nvGrpSpPr>
+      <p:grpSpPr>
+        <a:xfrm>
+          <a:off x="0" y="0"/>
+          <a:ext cx="0" cy="0"/>
+          <a:chOff x="0" y="0"/>
+          <a:chExt cx="0" cy="0"/>
+        </a:xfrm>
+      </p:grpSpPr>
+      <p:sp>
+        <p:nvSpPr>
+          <p:cNvPr id="2" name="Title 1"/>
+          <p:cNvSpPr>
+            <a:spLocks noGrp="1"/>
+          </p:cNvSpPr>
+          <p:nvPr>
+            <p:ph type="title"/>
+          </p:nvPr>
+        </p:nvSpPr>
+        <p:spPr/>
+        <p:txBody>
+          <a:bodyPr/>
+          <a:lstStyle/>
+          <a:p>
+            <a:r>
+              <a:rPr lang="en-US" dirty="0" err="1" smtClean="0"/>
+              <a:t>tslint</a:t>
+            </a:r>
+            <a:endParaRPr lang="en-US" dirty="0"/>
+          </a:p>
+        </p:txBody>
+      </p:sp>
+      <p:sp>
+        <p:nvSpPr>
+          <p:cNvPr id="3" name="Content Placeholder 2"/>
+          <p:cNvSpPr>
+            <a:spLocks noGrp="1"/>
+          </p:cNvSpPr>
+          <p:nvPr>
+            <p:ph idx="1"/>
+          </p:nvPr>
+        </p:nvSpPr>
+        <p:spPr/>
+        <p:txBody>
+          <a:bodyPr/>
+          <a:lstStyle/>
+          <a:p>
+            <a:r>
+              <a:rPr lang="en-US" dirty="0" smtClean="0"/>
+              <a:t>Static analysis linter for </a:t>
+            </a:r>
+            <a:r>
+              <a:rPr lang="en-US" dirty="0" err="1" smtClean="0"/>
+              <a:t>TypeScript</a:t>
+            </a:r>
+            <a:r>
+              <a:rPr lang="en-US" dirty="0" smtClean="0"/>
+              <a:t>.</a:t>
+            </a:r>
+            <a:endParaRPr lang="en-US" dirty="0" smtClean="0"/>
+          </a:p>
+          <a:p>
+            <a:r>
+              <a:rPr lang="en-US" dirty="0" smtClean="0"/>
+              <a:t>Can setup rules such as:</a:t>
+            </a:r>
+          </a:p>
+          <a:p>
+            <a:pPr lvl="1"/>
+            <a:r>
+              <a:rPr lang="en-US" dirty="0" smtClean="0"/>
+              <a:t>Max line length, style preferences (“ vs ‘, semicolon usage, indentation, tab vs. space), ban use of functions, custom rules, and many more. </a:t>
+            </a:r>
+          </a:p>
+          <a:p>
+            <a:r>
+              <a:rPr lang="en-US" dirty="0" smtClean="0"/>
+              <a:t>Default set of rules included with Web Essentials. </a:t>
+            </a:r>
+            <a:r>
+              <a:rPr lang="en-US" dirty="0" smtClean="0"/>
+              <a:t>Preferable approach is to maintain </a:t>
+            </a:r>
+            <a:r>
+              <a:rPr lang="en-US" dirty="0" err="1" smtClean="0"/>
+              <a:t>tslint.json</a:t>
+            </a:r>
+            <a:r>
+              <a:rPr lang="en-US" dirty="0" smtClean="0"/>
+              <a:t> in root of web project.</a:t>
+            </a:r>
+          </a:p>
+          <a:p>
+            <a:r>
+              <a:rPr lang="en-US" dirty="0" smtClean="0"/>
+              <a:t>Web Essentials can mark violations as messages, warnings, or errors.</a:t>
+            </a:r>
+            <a:endParaRPr lang="en-US" dirty="0" smtClean="0"/>
+          </a:p>
+        </p:txBody>
+      </p:sp>
+    </p:spTree>
+    <p:extLst>
+      <p:ext uri="{BB962C8B-B14F-4D97-AF65-F5344CB8AC3E}">
+        <p14:creationId xmlns:p14="http://schemas.microsoft.com/office/powerpoint/2010/main" val="861009223"/>
       </p:ext>
     </p:extLst>
   </p:cSld>
@@ -4693,4 +5495,265 @@
     </a:ext>
   </a:extLst>
 </a:theme>
+</file>
+
+<file path=ppt/theme/theme2.xml><?xml version="1.0" encoding="utf-8"?>
+<a:theme xmlns:a="http://schemas.openxmlformats.org/drawingml/2006/main" name="Office Theme">
+  <a:themeElements>
+    <a:clrScheme name="Office">
+      <a:dk1>
+        <a:sysClr val="windowText" lastClr="000000"/>
+      </a:dk1>
+      <a:lt1>
+        <a:sysClr val="window" lastClr="FFFFFF"/>
+      </a:lt1>
+      <a:dk2>
+        <a:srgbClr val="44546A"/>
+      </a:dk2>
+      <a:lt2>
+        <a:srgbClr val="E7E6E6"/>
+      </a:lt2>
+      <a:accent1>
+        <a:srgbClr val="5B9BD5"/>
+      </a:accent1>
+      <a:accent2>
+        <a:srgbClr val="ED7D31"/>
+      </a:accent2>
+      <a:accent3>
+        <a:srgbClr val="A5A5A5"/>
+      </a:accent3>
+      <a:accent4>
+        <a:srgbClr val="FFC000"/>
+      </a:accent4>
+      <a:accent5>
+        <a:srgbClr val="4472C4"/>
+      </a:accent5>
+      <a:accent6>
+        <a:srgbClr val="70AD47"/>
+      </a:accent6>
+      <a:hlink>
+        <a:srgbClr val="0563C1"/>
+      </a:hlink>
+      <a:folHlink>
+        <a:srgbClr val="954F72"/>
+      </a:folHlink>
+    </a:clrScheme>
+    <a:fontScheme name="Office">
+      <a:majorFont>
+        <a:latin typeface="Calibri Light" panose="020F0302020204030204"/>
+        <a:ea typeface=""/>
+        <a:cs typeface=""/>
+        <a:font script="Jpan" typeface="ＭＳ Ｐゴシック"/>
+        <a:font script="Hang" typeface="맑은 고딕"/>
+        <a:font script="Hans" typeface="宋体"/>
+        <a:font script="Hant" typeface="新細明體"/>
+        <a:font script="Arab" typeface="Times New Roman"/>
+        <a:font script="Hebr" typeface="Times New Roman"/>
+        <a:font script="Thai" typeface="Angsana New"/>
+        <a:font script="Ethi" typeface="Nyala"/>
+        <a:font script="Beng" typeface="Vrinda"/>
+        <a:font script="Gujr" typeface="Shruti"/>
+        <a:font script="Khmr" typeface="MoolBoran"/>
+        <a:font script="Knda" typeface="Tunga"/>
+        <a:font script="Guru" typeface="Raavi"/>
+        <a:font script="Cans" typeface="Euphemia"/>
+        <a:font script="Cher" typeface="Plantagenet Cherokee"/>
+        <a:font script="Yiii" typeface="Microsoft Yi Baiti"/>
+        <a:font script="Tibt" typeface="Microsoft Himalaya"/>
+        <a:font script="Thaa" typeface="MV Boli"/>
+        <a:font script="Deva" typeface="Mangal"/>
+        <a:font script="Telu" typeface="Gautami"/>
+        <a:font script="Taml" typeface="Latha"/>
+        <a:font script="Syrc" typeface="Estrangelo Edessa"/>
+        <a:font script="Orya" typeface="Kalinga"/>
+        <a:font script="Mlym" typeface="Kartika"/>
+        <a:font script="Laoo" typeface="DokChampa"/>
+        <a:font script="Sinh" typeface="Iskoola Pota"/>
+        <a:font script="Mong" typeface="Mongolian Baiti"/>
+        <a:font script="Viet" typeface="Times New Roman"/>
+        <a:font script="Uigh" typeface="Microsoft Uighur"/>
+        <a:font script="Geor" typeface="Sylfaen"/>
+      </a:majorFont>
+      <a:minorFont>
+        <a:latin typeface="Calibri" panose="020F0502020204030204"/>
+        <a:ea typeface=""/>
+        <a:cs typeface=""/>
+        <a:font script="Jpan" typeface="ＭＳ Ｐゴシック"/>
+        <a:font script="Hang" typeface="맑은 고딕"/>
+        <a:font script="Hans" typeface="宋体"/>
+        <a:font script="Hant" typeface="新細明體"/>
+        <a:font script="Arab" typeface="Arial"/>
+        <a:font script="Hebr" typeface="Arial"/>
+        <a:font script="Thai" typeface="Cordia New"/>
+        <a:font script="Ethi" typeface="Nyala"/>
+        <a:font script="Beng" typeface="Vrinda"/>
+        <a:font script="Gujr" typeface="Shruti"/>
+        <a:font script="Khmr" typeface="DaunPenh"/>
+        <a:font script="Knda" typeface="Tunga"/>
+        <a:font script="Guru" typeface="Raavi"/>
+        <a:font script="Cans" typeface="Euphemia"/>
+        <a:font script="Cher" typeface="Plantagenet Cherokee"/>
+        <a:font script="Yiii" typeface="Microsoft Yi Baiti"/>
+        <a:font script="Tibt" typeface="Microsoft Himalaya"/>
+        <a:font script="Thaa" typeface="MV Boli"/>
+        <a:font script="Deva" typeface="Mangal"/>
+        <a:font script="Telu" typeface="Gautami"/>
+        <a:font script="Taml" typeface="Latha"/>
+        <a:font script="Syrc" typeface="Estrangelo Edessa"/>
+        <a:font script="Orya" typeface="Kalinga"/>
+        <a:font script="Mlym" typeface="Kartika"/>
+        <a:font script="Laoo" typeface="DokChampa"/>
+        <a:font script="Sinh" typeface="Iskoola Pota"/>
+        <a:font script="Mong" typeface="Mongolian Baiti"/>
+        <a:font script="Viet" typeface="Arial"/>
+        <a:font script="Uigh" typeface="Microsoft Uighur"/>
+        <a:font script="Geor" typeface="Sylfaen"/>
+      </a:minorFont>
+    </a:fontScheme>
+    <a:fmtScheme name="Office">
+      <a:fillStyleLst>
+        <a:solidFill>
+          <a:schemeClr val="phClr"/>
+        </a:solidFill>
+        <a:gradFill rotWithShape="1">
+          <a:gsLst>
+            <a:gs pos="0">
+              <a:schemeClr val="phClr">
+                <a:lumMod val="110000"/>
+                <a:satMod val="105000"/>
+                <a:tint val="67000"/>
+              </a:schemeClr>
+            </a:gs>
+            <a:gs pos="50000">
+              <a:schemeClr val="phClr">
+                <a:lumMod val="105000"/>
+                <a:satMod val="103000"/>
+                <a:tint val="73000"/>
+              </a:schemeClr>
+            </a:gs>
+            <a:gs pos="100000">
+              <a:schemeClr val="phClr">
+                <a:lumMod val="105000"/>
+                <a:satMod val="109000"/>
+                <a:tint val="81000"/>
+              </a:schemeClr>
+            </a:gs>
+          </a:gsLst>
+          <a:lin ang="5400000" scaled="0"/>
+        </a:gradFill>
+        <a:gradFill rotWithShape="1">
+          <a:gsLst>
+            <a:gs pos="0">
+              <a:schemeClr val="phClr">
+                <a:satMod val="103000"/>
+                <a:lumMod val="102000"/>
+                <a:tint val="94000"/>
+              </a:schemeClr>
+            </a:gs>
+            <a:gs pos="50000">
+              <a:schemeClr val="phClr">
+                <a:satMod val="110000"/>
+                <a:lumMod val="100000"/>
+                <a:shade val="100000"/>
+              </a:schemeClr>
+            </a:gs>
+            <a:gs pos="100000">
+              <a:schemeClr val="phClr">
+                <a:lumMod val="99000"/>
+                <a:satMod val="120000"/>
+                <a:shade val="78000"/>
+              </a:schemeClr>
+            </a:gs>
+          </a:gsLst>
+          <a:lin ang="5400000" scaled="0"/>
+        </a:gradFill>
+      </a:fillStyleLst>
+      <a:lnStyleLst>
+        <a:ln w="6350" cap="flat" cmpd="sng" algn="ctr">
+          <a:solidFill>
+            <a:schemeClr val="phClr"/>
+          </a:solidFill>
+          <a:prstDash val="solid"/>
+          <a:miter lim="800000"/>
+        </a:ln>
+        <a:ln w="12700" cap="flat" cmpd="sng" algn="ctr">
+          <a:solidFill>
+            <a:schemeClr val="phClr"/>
+          </a:solidFill>
+          <a:prstDash val="solid"/>
+          <a:miter lim="800000"/>
+        </a:ln>
+        <a:ln w="19050" cap="flat" cmpd="sng" algn="ctr">
+          <a:solidFill>
+            <a:schemeClr val="phClr"/>
+          </a:solidFill>
+          <a:prstDash val="solid"/>
+          <a:miter lim="800000"/>
+        </a:ln>
+      </a:lnStyleLst>
+      <a:effectStyleLst>
+        <a:effectStyle>
+          <a:effectLst/>
+        </a:effectStyle>
+        <a:effectStyle>
+          <a:effectLst/>
+        </a:effectStyle>
+        <a:effectStyle>
+          <a:effectLst>
+            <a:outerShdw blurRad="57150" dist="19050" dir="5400000" algn="ctr" rotWithShape="0">
+              <a:srgbClr val="000000">
+                <a:alpha val="63000"/>
+              </a:srgbClr>
+            </a:outerShdw>
+          </a:effectLst>
+        </a:effectStyle>
+      </a:effectStyleLst>
+      <a:bgFillStyleLst>
+        <a:solidFill>
+          <a:schemeClr val="phClr"/>
+        </a:solidFill>
+        <a:solidFill>
+          <a:schemeClr val="phClr">
+            <a:tint val="95000"/>
+            <a:satMod val="170000"/>
+          </a:schemeClr>
+        </a:solidFill>
+        <a:gradFill rotWithShape="1">
+          <a:gsLst>
+            <a:gs pos="0">
+              <a:schemeClr val="phClr">
+                <a:tint val="93000"/>
+                <a:satMod val="150000"/>
+                <a:shade val="98000"/>
+                <a:lumMod val="102000"/>
+              </a:schemeClr>
+            </a:gs>
+            <a:gs pos="50000">
+              <a:schemeClr val="phClr">
+                <a:tint val="98000"/>
+                <a:satMod val="130000"/>
+                <a:shade val="90000"/>
+                <a:lumMod val="103000"/>
+              </a:schemeClr>
+            </a:gs>
+            <a:gs pos="100000">
+              <a:schemeClr val="phClr">
+                <a:shade val="63000"/>
+                <a:satMod val="120000"/>
+              </a:schemeClr>
+            </a:gs>
+          </a:gsLst>
+          <a:lin ang="5400000" scaled="0"/>
+        </a:gradFill>
+      </a:bgFillStyleLst>
+    </a:fmtScheme>
+  </a:themeElements>
+  <a:objectDefaults/>
+  <a:extraClrSchemeLst/>
+  <a:extLst>
+    <a:ext uri="{05A4C25C-085E-4340-85A3-A5531E510DB2}">
+      <thm15:themeFamily xmlns:thm15="http://schemas.microsoft.com/office/thememl/2012/main" name="Office Theme" id="{62F939B6-93AF-4DB8-9C6B-D6C7DFDC589F}" vid="{4A3C46E8-61CC-4603-A589-7422A47A8E4A}"/>
+    </a:ext>
+  </a:extLst>
+</a:theme>
 </file>
--- a/TypeScript for the .NET Developer/CRINETA 20150406/TypeScript for the .NET Developer.pptx
+++ b/TypeScript for the .NET Developer/CRINETA 20150406/TypeScript for the .NET Developer.pptx
@@ -224,7 +224,7 @@
           <a:p>
             <a:fld id="{808EA803-7C92-4DF7-88C2-171098DA16C3}" type="datetimeFigureOut">
               <a:rPr lang="en-US" smtClean="0"/>
-              <a:t>4/3/2015</a:t>
+              <a:t>4/5/2015</a:t>
             </a:fld>
             <a:endParaRPr lang="en-US"/>
           </a:p>
@@ -707,7 +707,7 @@
           <a:p>
             <a:fld id="{856365B8-A905-4126-A305-28D558C34FD5}" type="datetimeFigureOut">
               <a:rPr lang="en-US" smtClean="0"/>
-              <a:t>4/3/2015</a:t>
+              <a:t>4/5/2015</a:t>
             </a:fld>
             <a:endParaRPr lang="en-US"/>
           </a:p>
@@ -877,7 +877,7 @@
           <a:p>
             <a:fld id="{856365B8-A905-4126-A305-28D558C34FD5}" type="datetimeFigureOut">
               <a:rPr lang="en-US" smtClean="0"/>
-              <a:t>4/3/2015</a:t>
+              <a:t>4/5/2015</a:t>
             </a:fld>
             <a:endParaRPr lang="en-US"/>
           </a:p>
@@ -1057,7 +1057,7 @@
           <a:p>
             <a:fld id="{856365B8-A905-4126-A305-28D558C34FD5}" type="datetimeFigureOut">
               <a:rPr lang="en-US" smtClean="0"/>
-              <a:t>4/3/2015</a:t>
+              <a:t>4/5/2015</a:t>
             </a:fld>
             <a:endParaRPr lang="en-US"/>
           </a:p>
@@ -1227,7 +1227,7 @@
           <a:p>
             <a:fld id="{856365B8-A905-4126-A305-28D558C34FD5}" type="datetimeFigureOut">
               <a:rPr lang="en-US" smtClean="0"/>
-              <a:t>4/3/2015</a:t>
+              <a:t>4/5/2015</a:t>
             </a:fld>
             <a:endParaRPr lang="en-US"/>
           </a:p>
@@ -1473,7 +1473,7 @@
           <a:p>
             <a:fld id="{856365B8-A905-4126-A305-28D558C34FD5}" type="datetimeFigureOut">
               <a:rPr lang="en-US" smtClean="0"/>
-              <a:t>4/3/2015</a:t>
+              <a:t>4/5/2015</a:t>
             </a:fld>
             <a:endParaRPr lang="en-US"/>
           </a:p>
@@ -1705,7 +1705,7 @@
           <a:p>
             <a:fld id="{856365B8-A905-4126-A305-28D558C34FD5}" type="datetimeFigureOut">
               <a:rPr lang="en-US" smtClean="0"/>
-              <a:t>4/3/2015</a:t>
+              <a:t>4/5/2015</a:t>
             </a:fld>
             <a:endParaRPr lang="en-US"/>
           </a:p>
@@ -2072,7 +2072,7 @@
           <a:p>
             <a:fld id="{856365B8-A905-4126-A305-28D558C34FD5}" type="datetimeFigureOut">
               <a:rPr lang="en-US" smtClean="0"/>
-              <a:t>4/3/2015</a:t>
+              <a:t>4/5/2015</a:t>
             </a:fld>
             <a:endParaRPr lang="en-US"/>
           </a:p>
@@ -2190,7 +2190,7 @@
           <a:p>
             <a:fld id="{856365B8-A905-4126-A305-28D558C34FD5}" type="datetimeFigureOut">
               <a:rPr lang="en-US" smtClean="0"/>
-              <a:t>4/3/2015</a:t>
+              <a:t>4/5/2015</a:t>
             </a:fld>
             <a:endParaRPr lang="en-US"/>
           </a:p>
@@ -2285,7 +2285,7 @@
           <a:p>
             <a:fld id="{856365B8-A905-4126-A305-28D558C34FD5}" type="datetimeFigureOut">
               <a:rPr lang="en-US" smtClean="0"/>
-              <a:t>4/3/2015</a:t>
+              <a:t>4/5/2015</a:t>
             </a:fld>
             <a:endParaRPr lang="en-US"/>
           </a:p>
@@ -2562,7 +2562,7 @@
           <a:p>
             <a:fld id="{856365B8-A905-4126-A305-28D558C34FD5}" type="datetimeFigureOut">
               <a:rPr lang="en-US" smtClean="0"/>
-              <a:t>4/3/2015</a:t>
+              <a:t>4/5/2015</a:t>
             </a:fld>
             <a:endParaRPr lang="en-US"/>
           </a:p>
@@ -2819,7 +2819,7 @@
           <a:p>
             <a:fld id="{856365B8-A905-4126-A305-28D558C34FD5}" type="datetimeFigureOut">
               <a:rPr lang="en-US" smtClean="0"/>
-              <a:t>4/3/2015</a:t>
+              <a:t>4/5/2015</a:t>
             </a:fld>
             <a:endParaRPr lang="en-US"/>
           </a:p>
@@ -3032,7 +3032,7 @@
           <a:p>
             <a:fld id="{856365B8-A905-4126-A305-28D558C34FD5}" type="datetimeFigureOut">
               <a:rPr lang="en-US" smtClean="0"/>
-              <a:t>4/3/2015</a:t>
+              <a:t>4/5/2015</a:t>
             </a:fld>
             <a:endParaRPr lang="en-US"/>
           </a:p>
@@ -4261,13 +4261,30 @@
           <a:p>
             <a:r>
               <a:rPr lang="en-US" dirty="0" smtClean="0"/>
-              <a:t>No type safety</a:t>
-            </a:r>
-          </a:p>
-          <a:p>
-            <a:r>
-              <a:rPr lang="en-US" dirty="0" smtClean="0"/>
-              <a:t>Functionality language with iffy syntax.</a:t>
+              <a:t>No type </a:t>
+            </a:r>
+            <a:r>
+              <a:rPr lang="en-US" dirty="0" smtClean="0"/>
+              <a:t>safety.</a:t>
+            </a:r>
+            <a:endParaRPr lang="en-US" dirty="0" smtClean="0"/>
+          </a:p>
+          <a:p>
+            <a:r>
+              <a:rPr lang="en-US" dirty="0" smtClean="0"/>
+              <a:t>Functional </a:t>
+            </a:r>
+            <a:r>
+              <a:rPr lang="en-US" dirty="0" smtClean="0"/>
+              <a:t>language with </a:t>
+            </a:r>
+            <a:r>
+              <a:rPr lang="en-US" dirty="0" smtClean="0"/>
+              <a:t>unfriendly </a:t>
+            </a:r>
+            <a:r>
+              <a:rPr lang="en-US" dirty="0" smtClean="0"/>
+              <a:t>syntax.</a:t>
             </a:r>
           </a:p>
           <a:p>
@@ -4633,15 +4650,7 @@
             <a:pPr lvl="1"/>
             <a:r>
               <a:rPr lang="en-US" dirty="0" smtClean="0"/>
-              <a:t>Classes, constructors, interfaces, </a:t>
-            </a:r>
-            <a:r>
-              <a:rPr lang="en-US" dirty="0" smtClean="0"/>
-              <a:t>etc</a:t>
-            </a:r>
-            <a:r>
-              <a:rPr lang="en-US" dirty="0" smtClean="0"/>
-              <a:t>.</a:t>
+              <a:t>Classes, constructors, interfaces, etc.</a:t>
             </a:r>
           </a:p>
           <a:p>
@@ -5181,7 +5190,6 @@
               <a:rPr lang="en-US" dirty="0" smtClean="0"/>
               <a:t>.</a:t>
             </a:r>
-            <a:endParaRPr lang="en-US" dirty="0" smtClean="0"/>
           </a:p>
           <a:p>
             <a:r>
@@ -5199,11 +5207,7 @@
           <a:p>
             <a:r>
               <a:rPr lang="en-US" dirty="0" smtClean="0"/>
-              <a:t>Default set of rules included with Web Essentials. </a:t>
-            </a:r>
-            <a:r>
-              <a:rPr lang="en-US" dirty="0" smtClean="0"/>
-              <a:t>Preferable approach is to maintain </a:t>
+              <a:t>Default set of rules included with Web Essentials. Preferable approach is to maintain </a:t>
             </a:r>
             <a:r>
               <a:rPr lang="en-US" dirty="0" err="1" smtClean="0"/>
@@ -5219,7 +5223,6 @@
               <a:rPr lang="en-US" dirty="0" smtClean="0"/>
               <a:t>Web Essentials can mark violations as messages, warnings, or errors.</a:t>
             </a:r>
-            <a:endParaRPr lang="en-US" dirty="0" smtClean="0"/>
           </a:p>
         </p:txBody>
       </p:sp>

--- a/TypeScript for the .NET Developer/CRINETA 20150406/TypeScript for the .NET Developer.pptx
+++ b/TypeScript for the .NET Developer/CRINETA 20150406/TypeScript for the .NET Developer.pptx
@@ -5,7 +5,7 @@
     <p:sldMasterId id="2147483660" r:id="rId1"/>
   </p:sldMasterIdLst>
   <p:notesMasterIdLst>
-    <p:notesMasterId r:id="rId12"/>
+    <p:notesMasterId r:id="rId13"/>
   </p:notesMasterIdLst>
   <p:sldIdLst>
     <p:sldId id="256" r:id="rId2"/>
@@ -17,7 +17,8 @@
     <p:sldId id="272" r:id="rId8"/>
     <p:sldId id="273" r:id="rId9"/>
     <p:sldId id="276" r:id="rId10"/>
-    <p:sldId id="269" r:id="rId11"/>
+    <p:sldId id="277" r:id="rId11"/>
+    <p:sldId id="269" r:id="rId12"/>
   </p:sldIdLst>
   <p:sldSz cx="12192000" cy="6858000"/>
   <p:notesSz cx="6858000" cy="9144000"/>
@@ -130,6 +131,7 @@
             <p14:sldId id="272"/>
             <p14:sldId id="273"/>
             <p14:sldId id="276"/>
+            <p14:sldId id="277"/>
             <p14:sldId id="269"/>
           </p14:sldIdLst>
         </p14:section>
@@ -224,7 +226,7 @@
           <a:p>
             <a:fld id="{808EA803-7C92-4DF7-88C2-171098DA16C3}" type="datetimeFigureOut">
               <a:rPr lang="en-US" smtClean="0"/>
-              <a:t>4/5/2015</a:t>
+              <a:t>4/6/2015</a:t>
             </a:fld>
             <a:endParaRPr lang="en-US"/>
           </a:p>
@@ -707,7 +709,7 @@
           <a:p>
             <a:fld id="{856365B8-A905-4126-A305-28D558C34FD5}" type="datetimeFigureOut">
               <a:rPr lang="en-US" smtClean="0"/>
-              <a:t>4/5/2015</a:t>
+              <a:t>4/6/2015</a:t>
             </a:fld>
             <a:endParaRPr lang="en-US"/>
           </a:p>
@@ -877,7 +879,7 @@
           <a:p>
             <a:fld id="{856365B8-A905-4126-A305-28D558C34FD5}" type="datetimeFigureOut">
               <a:rPr lang="en-US" smtClean="0"/>
-              <a:t>4/5/2015</a:t>
+              <a:t>4/6/2015</a:t>
             </a:fld>
             <a:endParaRPr lang="en-US"/>
           </a:p>
@@ -1057,7 +1059,7 @@
           <a:p>
             <a:fld id="{856365B8-A905-4126-A305-28D558C34FD5}" type="datetimeFigureOut">
               <a:rPr lang="en-US" smtClean="0"/>
-              <a:t>4/5/2015</a:t>
+              <a:t>4/6/2015</a:t>
             </a:fld>
             <a:endParaRPr lang="en-US"/>
           </a:p>
@@ -1227,7 +1229,7 @@
           <a:p>
             <a:fld id="{856365B8-A905-4126-A305-28D558C34FD5}" type="datetimeFigureOut">
               <a:rPr lang="en-US" smtClean="0"/>
-              <a:t>4/5/2015</a:t>
+              <a:t>4/6/2015</a:t>
             </a:fld>
             <a:endParaRPr lang="en-US"/>
           </a:p>
@@ -1473,7 +1475,7 @@
           <a:p>
             <a:fld id="{856365B8-A905-4126-A305-28D558C34FD5}" type="datetimeFigureOut">
               <a:rPr lang="en-US" smtClean="0"/>
-              <a:t>4/5/2015</a:t>
+              <a:t>4/6/2015</a:t>
             </a:fld>
             <a:endParaRPr lang="en-US"/>
           </a:p>
@@ -1705,7 +1707,7 @@
           <a:p>
             <a:fld id="{856365B8-A905-4126-A305-28D558C34FD5}" type="datetimeFigureOut">
               <a:rPr lang="en-US" smtClean="0"/>
-              <a:t>4/5/2015</a:t>
+              <a:t>4/6/2015</a:t>
             </a:fld>
             <a:endParaRPr lang="en-US"/>
           </a:p>
@@ -2072,7 +2074,7 @@
           <a:p>
             <a:fld id="{856365B8-A905-4126-A305-28D558C34FD5}" type="datetimeFigureOut">
               <a:rPr lang="en-US" smtClean="0"/>
-              <a:t>4/5/2015</a:t>
+              <a:t>4/6/2015</a:t>
             </a:fld>
             <a:endParaRPr lang="en-US"/>
           </a:p>
@@ -2190,7 +2192,7 @@
           <a:p>
             <a:fld id="{856365B8-A905-4126-A305-28D558C34FD5}" type="datetimeFigureOut">
               <a:rPr lang="en-US" smtClean="0"/>
-              <a:t>4/5/2015</a:t>
+              <a:t>4/6/2015</a:t>
             </a:fld>
             <a:endParaRPr lang="en-US"/>
           </a:p>
@@ -2285,7 +2287,7 @@
           <a:p>
             <a:fld id="{856365B8-A905-4126-A305-28D558C34FD5}" type="datetimeFigureOut">
               <a:rPr lang="en-US" smtClean="0"/>
-              <a:t>4/5/2015</a:t>
+              <a:t>4/6/2015</a:t>
             </a:fld>
             <a:endParaRPr lang="en-US"/>
           </a:p>
@@ -2562,7 +2564,7 @@
           <a:p>
             <a:fld id="{856365B8-A905-4126-A305-28D558C34FD5}" type="datetimeFigureOut">
               <a:rPr lang="en-US" smtClean="0"/>
-              <a:t>4/5/2015</a:t>
+              <a:t>4/6/2015</a:t>
             </a:fld>
             <a:endParaRPr lang="en-US"/>
           </a:p>
@@ -2819,7 +2821,7 @@
           <a:p>
             <a:fld id="{856365B8-A905-4126-A305-28D558C34FD5}" type="datetimeFigureOut">
               <a:rPr lang="en-US" smtClean="0"/>
-              <a:t>4/5/2015</a:t>
+              <a:t>4/6/2015</a:t>
             </a:fld>
             <a:endParaRPr lang="en-US"/>
           </a:p>
@@ -3032,7 +3034,7 @@
           <a:p>
             <a:fld id="{856365B8-A905-4126-A305-28D558C34FD5}" type="datetimeFigureOut">
               <a:rPr lang="en-US" smtClean="0"/>
-              <a:t>4/5/2015</a:t>
+              <a:t>4/6/2015</a:t>
             </a:fld>
             <a:endParaRPr lang="en-US"/>
           </a:p>
@@ -3590,6 +3592,131 @@
 </file>
 
 <file path=ppt/slides/slide10.xml><?xml version="1.0" encoding="utf-8"?>
+<p:sld xmlns:a="http://schemas.openxmlformats.org/drawingml/2006/main" xmlns:r="http://schemas.openxmlformats.org/officeDocument/2006/relationships" xmlns:p="http://schemas.openxmlformats.org/presentationml/2006/main">
+  <p:cSld>
+    <p:spTree>
+      <p:nvGrpSpPr>
+        <p:cNvPr id="1" name=""/>
+        <p:cNvGrpSpPr/>
+        <p:nvPr/>
+      </p:nvGrpSpPr>
+      <p:grpSpPr>
+        <a:xfrm>
+          <a:off x="0" y="0"/>
+          <a:ext cx="0" cy="0"/>
+          <a:chOff x="0" y="0"/>
+          <a:chExt cx="0" cy="0"/>
+        </a:xfrm>
+      </p:grpSpPr>
+      <p:sp>
+        <p:nvSpPr>
+          <p:cNvPr id="2" name="Title 1"/>
+          <p:cNvSpPr>
+            <a:spLocks noGrp="1"/>
+          </p:cNvSpPr>
+          <p:nvPr>
+            <p:ph type="title"/>
+          </p:nvPr>
+        </p:nvSpPr>
+        <p:spPr/>
+        <p:txBody>
+          <a:bodyPr/>
+          <a:lstStyle/>
+          <a:p>
+            <a:r>
+              <a:rPr lang="en-US" dirty="0" smtClean="0"/>
+              <a:t>Sample Application</a:t>
+            </a:r>
+            <a:endParaRPr lang="en-US" dirty="0"/>
+          </a:p>
+        </p:txBody>
+      </p:sp>
+      <p:sp>
+        <p:nvSpPr>
+          <p:cNvPr id="3" name="Content Placeholder 2"/>
+          <p:cNvSpPr>
+            <a:spLocks noGrp="1"/>
+          </p:cNvSpPr>
+          <p:nvPr>
+            <p:ph idx="1"/>
+          </p:nvPr>
+        </p:nvSpPr>
+        <p:spPr/>
+        <p:txBody>
+          <a:bodyPr/>
+          <a:lstStyle/>
+          <a:p>
+            <a:pPr marL="0" indent="0">
+              <a:buNone/>
+            </a:pPr>
+            <a:r>
+              <a:rPr lang="en-US" dirty="0">
+                <a:hlinkClick r:id="rId2"/>
+              </a:rPr>
+              <a:t>https://</a:t>
+            </a:r>
+            <a:r>
+              <a:rPr lang="en-US" dirty="0" smtClean="0">
+                <a:hlinkClick r:id="rId2"/>
+              </a:rPr>
+              <a:t>github.com/mikecole/CVCreatives</a:t>
+            </a:r>
+            <a:endParaRPr lang="en-US" dirty="0" smtClean="0"/>
+          </a:p>
+          <a:p>
+            <a:pPr marL="0" indent="0">
+              <a:buNone/>
+            </a:pPr>
+            <a:endParaRPr lang="en-US" dirty="0"/>
+          </a:p>
+          <a:p>
+            <a:pPr marL="0" indent="0">
+              <a:buNone/>
+            </a:pPr>
+            <a:r>
+              <a:rPr lang="en-US" dirty="0" smtClean="0"/>
+              <a:t>Branches:</a:t>
+            </a:r>
+          </a:p>
+          <a:p>
+            <a:pPr marL="0" indent="0">
+              <a:buNone/>
+            </a:pPr>
+            <a:r>
+              <a:rPr lang="en-US" dirty="0" smtClean="0"/>
+              <a:t>	Master: Typescript</a:t>
+            </a:r>
+          </a:p>
+          <a:p>
+            <a:pPr marL="0" indent="0">
+              <a:buNone/>
+            </a:pPr>
+            <a:r>
+              <a:rPr lang="en-US" dirty="0" smtClean="0"/>
+              <a:t>	Original: </a:t>
+            </a:r>
+            <a:r>
+              <a:rPr lang="en-US" dirty="0" err="1" smtClean="0"/>
+              <a:t>Javascript</a:t>
+            </a:r>
+            <a:endParaRPr lang="en-US" dirty="0" smtClean="0"/>
+          </a:p>
+        </p:txBody>
+      </p:sp>
+    </p:spTree>
+    <p:extLst>
+      <p:ext uri="{BB962C8B-B14F-4D97-AF65-F5344CB8AC3E}">
+        <p14:creationId xmlns:p14="http://schemas.microsoft.com/office/powerpoint/2010/main" val="1920905511"/>
+      </p:ext>
+    </p:extLst>
+  </p:cSld>
+  <p:clrMapOvr>
+    <a:masterClrMapping/>
+  </p:clrMapOvr>
+</p:sld>
+</file>
+
+<file path=ppt/slides/slide11.xml><?xml version="1.0" encoding="utf-8"?>
 <p:sld xmlns:a="http://schemas.openxmlformats.org/drawingml/2006/main" xmlns:r="http://schemas.openxmlformats.org/officeDocument/2006/relationships" xmlns:p="http://schemas.openxmlformats.org/presentationml/2006/main">
   <p:cSld>
     <p:spTree>
@@ -4261,30 +4388,13 @@
           <a:p>
             <a:r>
               <a:rPr lang="en-US" dirty="0" smtClean="0"/>
-              <a:t>No type </a:t>
-            </a:r>
-            <a:r>
-              <a:rPr lang="en-US" dirty="0" smtClean="0"/>
-              <a:t>safety.</a:t>
-            </a:r>
-            <a:endParaRPr lang="en-US" dirty="0" smtClean="0"/>
-          </a:p>
-          <a:p>
-            <a:r>
-              <a:rPr lang="en-US" dirty="0" smtClean="0"/>
-              <a:t>Functional </a:t>
-            </a:r>
-            <a:r>
-              <a:rPr lang="en-US" dirty="0" smtClean="0"/>
-              <a:t>language with </a:t>
-            </a:r>
-            <a:r>
-              <a:rPr lang="en-US" dirty="0" smtClean="0"/>
-              <a:t>unfriendly </a:t>
-            </a:r>
-            <a:r>
-              <a:rPr lang="en-US" dirty="0" smtClean="0"/>
-              <a:t>syntax.</a:t>
+              <a:t>No type safety.</a:t>
+            </a:r>
+          </a:p>
+          <a:p>
+            <a:r>
+              <a:rPr lang="en-US" dirty="0" smtClean="0"/>
+              <a:t>Functional language with unfriendly syntax.</a:t>
             </a:r>
           </a:p>
           <a:p>
